--- a/PPT/30號答辯ppt(初版).pptx
+++ b/PPT/30號答辯ppt(初版).pptx
@@ -13,12 +13,12 @@
     <p:sldId id="271" r:id="rId4"/>
     <p:sldId id="268" r:id="rId5"/>
     <p:sldId id="274" r:id="rId6"/>
-    <p:sldId id="282" r:id="rId7"/>
+    <p:sldId id="287" r:id="rId7"/>
     <p:sldId id="275" r:id="rId8"/>
-    <p:sldId id="273" r:id="rId9"/>
-    <p:sldId id="280" r:id="rId10"/>
+    <p:sldId id="282" r:id="rId9"/>
+    <p:sldId id="273" r:id="rId10"/>
     <p:sldId id="276" r:id="rId11"/>
-    <p:sldId id="278" r:id="rId12"/>
+    <p:sldId id="284" r:id="rId12"/>
     <p:sldId id="277" r:id="rId13"/>
     <p:sldId id="279" r:id="rId14"/>
     <p:sldId id="264" r:id="rId15"/>
@@ -3548,6 +3548,471 @@
 </p:notesMaster>
 </file>
 
+<file path=ppt/notesSlides/notesSlide1.xml><?xml version="1.0" encoding="utf-8"?>
+<p:notes xmlns:a="http://schemas.openxmlformats.org/drawingml/2006/main" xmlns:r="http://schemas.openxmlformats.org/officeDocument/2006/relationships" xmlns:p="http://schemas.openxmlformats.org/presentationml/2006/main">
+  <p:cSld>
+    <p:spTree>
+      <p:nvGrpSpPr>
+        <p:cNvPr id="1" name=""/>
+        <p:cNvGrpSpPr/>
+        <p:nvPr/>
+      </p:nvGrpSpPr>
+      <p:grpSpPr>
+        <a:xfrm>
+          <a:off x="0" y="0"/>
+          <a:ext cx="0" cy="0"/>
+          <a:chOff x="0" y="0"/>
+          <a:chExt cx="0" cy="0"/>
+        </a:xfrm>
+      </p:grpSpPr>
+      <p:sp>
+        <p:nvSpPr>
+          <p:cNvPr id="2" name="投影片影像版面配置區 1"/>
+          <p:cNvSpPr>
+            <a:spLocks noGrp="1" noRot="1" noChangeAspect="1"/>
+          </p:cNvSpPr>
+          <p:nvPr>
+            <p:ph type="sldImg"/>
+          </p:nvPr>
+        </p:nvSpPr>
+        <p:spPr/>
+      </p:sp>
+      <p:sp>
+        <p:nvSpPr>
+          <p:cNvPr id="3" name="備忘稿版面配置區 2"/>
+          <p:cNvSpPr>
+            <a:spLocks noGrp="1"/>
+          </p:cNvSpPr>
+          <p:nvPr>
+            <p:ph type="body" idx="1"/>
+          </p:nvPr>
+        </p:nvSpPr>
+        <p:spPr/>
+        <p:txBody>
+          <a:bodyPr/>
+          <a:lstStyle/>
+          <a:p>
+            <a:r>
+              <a:rPr lang="zh-HK" altLang="en-US" dirty="0">
+                <a:latin typeface="STZhongsong" panose="02010600040101010101" pitchFamily="2" charset="-122"/>
+                <a:ea typeface="STZhongsong" panose="02010600040101010101" pitchFamily="2" charset="-122"/>
+              </a:rPr>
+              <a:t>使用限制低</a:t>
+            </a:r>
+            <a:endParaRPr lang="en-US" altLang="zh-HK" dirty="0">
+              <a:latin typeface="STZhongsong" panose="02010600040101010101" pitchFamily="2" charset="-122"/>
+              <a:ea typeface="STZhongsong" panose="02010600040101010101" pitchFamily="2" charset="-122"/>
+            </a:endParaRPr>
+          </a:p>
+          <a:p>
+            <a:r>
+              <a:rPr lang="zh-TW" altLang="en-US" dirty="0">
+                <a:latin typeface="STZhongsong" panose="02010600040101010101" pitchFamily="2" charset="-122"/>
+                <a:ea typeface="STZhongsong" panose="02010600040101010101" pitchFamily="2" charset="-122"/>
+              </a:rPr>
+              <a:t>安全</a:t>
+            </a:r>
+            <a:endParaRPr lang="en-US" altLang="zh-TW" dirty="0">
+              <a:latin typeface="STZhongsong" panose="02010600040101010101" pitchFamily="2" charset="-122"/>
+              <a:ea typeface="STZhongsong" panose="02010600040101010101" pitchFamily="2" charset="-122"/>
+            </a:endParaRPr>
+          </a:p>
+          <a:p>
+            <a:r>
+              <a:rPr lang="zh-TW" altLang="en-US" dirty="0">
+                <a:latin typeface="STZhongsong" panose="02010600040101010101" pitchFamily="2" charset="-122"/>
+                <a:ea typeface="STZhongsong" panose="02010600040101010101" pitchFamily="2" charset="-122"/>
+              </a:rPr>
+              <a:t>有代碼檢查</a:t>
+            </a:r>
+            <a:r>
+              <a:rPr lang="en-US" altLang="zh-TW" dirty="0">
+                <a:latin typeface="STZhongsong" panose="02010600040101010101" pitchFamily="2" charset="-122"/>
+                <a:ea typeface="STZhongsong" panose="02010600040101010101" pitchFamily="2" charset="-122"/>
+              </a:rPr>
+              <a:t>/</a:t>
+            </a:r>
+            <a:r>
+              <a:rPr lang="zh-TW" altLang="en-US" dirty="0">
+                <a:latin typeface="STZhongsong" panose="02010600040101010101" pitchFamily="2" charset="-122"/>
+                <a:ea typeface="STZhongsong" panose="02010600040101010101" pitchFamily="2" charset="-122"/>
+              </a:rPr>
+              <a:t>編譯插件</a:t>
+            </a:r>
+            <a:endParaRPr lang="en-US" altLang="zh-TW" dirty="0">
+              <a:latin typeface="STZhongsong" panose="02010600040101010101" pitchFamily="2" charset="-122"/>
+              <a:ea typeface="STZhongsong" panose="02010600040101010101" pitchFamily="2" charset="-122"/>
+            </a:endParaRPr>
+          </a:p>
+          <a:p>
+            <a:r>
+              <a:rPr lang="zh-TW" altLang="en-US" dirty="0">
+                <a:latin typeface="STZhongsong" panose="02010600040101010101" pitchFamily="2" charset="-122"/>
+                <a:ea typeface="STZhongsong" panose="02010600040101010101" pitchFamily="2" charset="-122"/>
+              </a:rPr>
+              <a:t>功能弹性化，可安装不同插件</a:t>
+            </a:r>
+            <a:endParaRPr lang="en-US" altLang="zh-TW" dirty="0">
+              <a:latin typeface="STZhongsong" panose="02010600040101010101" pitchFamily="2" charset="-122"/>
+              <a:ea typeface="STZhongsong" panose="02010600040101010101" pitchFamily="2" charset="-122"/>
+            </a:endParaRPr>
+          </a:p>
+          <a:p>
+            <a:r>
+              <a:rPr lang="zh-TW" altLang="en-US" dirty="0">
+                <a:latin typeface="STZhongsong" panose="02010600040101010101" pitchFamily="2" charset="-122"/>
+                <a:ea typeface="STZhongsong" panose="02010600040101010101" pitchFamily="2" charset="-122"/>
+              </a:rPr>
+              <a:t>非大型网页架构，适合课程使用</a:t>
+            </a:r>
+            <a:endParaRPr lang="en-US" altLang="zh-TW" dirty="0">
+              <a:latin typeface="STZhongsong" panose="02010600040101010101" pitchFamily="2" charset="-122"/>
+              <a:ea typeface="STZhongsong" panose="02010600040101010101" pitchFamily="2" charset="-122"/>
+            </a:endParaRPr>
+          </a:p>
+          <a:p>
+            <a:r>
+              <a:rPr lang="zh-TW" altLang="en-US" dirty="0">
+                <a:latin typeface="STZhongsong" panose="02010600040101010101" pitchFamily="2" charset="-122"/>
+                <a:ea typeface="STZhongsong" panose="02010600040101010101" pitchFamily="2" charset="-122"/>
+              </a:rPr>
+              <a:t>調研後發，可以應用</a:t>
+            </a:r>
+            <a:endParaRPr lang="en-US" altLang="zh-TW" dirty="0">
+              <a:latin typeface="STZhongsong" panose="02010600040101010101" pitchFamily="2" charset="-122"/>
+              <a:ea typeface="STZhongsong" panose="02010600040101010101" pitchFamily="2" charset="-122"/>
+            </a:endParaRPr>
+          </a:p>
+          <a:p>
+            <a:endParaRPr lang="zh-HK" altLang="en-US" dirty="0"/>
+          </a:p>
+        </p:txBody>
+      </p:sp>
+      <p:sp>
+        <p:nvSpPr>
+          <p:cNvPr id="4" name="投影片編號版面配置區 3"/>
+          <p:cNvSpPr>
+            <a:spLocks noGrp="1"/>
+          </p:cNvSpPr>
+          <p:nvPr>
+            <p:ph type="sldNum" sz="quarter" idx="5"/>
+          </p:nvPr>
+        </p:nvSpPr>
+        <p:spPr/>
+        <p:txBody>
+          <a:bodyPr/>
+          <a:lstStyle/>
+          <a:p>
+            <a:fld id="{6D18717E-F74C-4246-A795-6577BEDC8382}" type="slidenum">
+              <a:rPr kumimoji="1" lang="zh-CN" altLang="en-US" smtClean="0"/>
+              <a:t>6</a:t>
+            </a:fld>
+            <a:endParaRPr kumimoji="1" lang="zh-CN" altLang="en-US"/>
+          </a:p>
+        </p:txBody>
+      </p:sp>
+    </p:spTree>
+    <p:extLst>
+      <p:ext uri="{BB962C8B-B14F-4D97-AF65-F5344CB8AC3E}">
+        <p14:creationId xmlns:p14="http://schemas.microsoft.com/office/powerpoint/2010/main" val="3327797564"/>
+      </p:ext>
+    </p:extLst>
+  </p:cSld>
+  <p:clrMapOvr>
+    <a:masterClrMapping/>
+  </p:clrMapOvr>
+</p:notes>
+</file>
+
+<file path=ppt/notesSlides/notesSlide2.xml><?xml version="1.0" encoding="utf-8"?>
+<p:notes xmlns:a="http://schemas.openxmlformats.org/drawingml/2006/main" xmlns:r="http://schemas.openxmlformats.org/officeDocument/2006/relationships" xmlns:p="http://schemas.openxmlformats.org/presentationml/2006/main">
+  <p:cSld>
+    <p:spTree>
+      <p:nvGrpSpPr>
+        <p:cNvPr id="1" name=""/>
+        <p:cNvGrpSpPr/>
+        <p:nvPr/>
+      </p:nvGrpSpPr>
+      <p:grpSpPr>
+        <a:xfrm>
+          <a:off x="0" y="0"/>
+          <a:ext cx="0" cy="0"/>
+          <a:chOff x="0" y="0"/>
+          <a:chExt cx="0" cy="0"/>
+        </a:xfrm>
+      </p:grpSpPr>
+      <p:sp>
+        <p:nvSpPr>
+          <p:cNvPr id="2" name="投影片影像版面配置區 1"/>
+          <p:cNvSpPr>
+            <a:spLocks noGrp="1" noRot="1" noChangeAspect="1"/>
+          </p:cNvSpPr>
+          <p:nvPr>
+            <p:ph type="sldImg"/>
+          </p:nvPr>
+        </p:nvSpPr>
+        <p:spPr/>
+      </p:sp>
+      <p:sp>
+        <p:nvSpPr>
+          <p:cNvPr id="3" name="備忘稿版面配置區 2"/>
+          <p:cNvSpPr>
+            <a:spLocks noGrp="1"/>
+          </p:cNvSpPr>
+          <p:nvPr>
+            <p:ph type="body" idx="1"/>
+          </p:nvPr>
+        </p:nvSpPr>
+        <p:spPr/>
+        <p:txBody>
+          <a:bodyPr/>
+          <a:lstStyle/>
+          <a:p>
+            <a:endParaRPr lang="zh-HK" altLang="en-US" dirty="0"/>
+          </a:p>
+        </p:txBody>
+      </p:sp>
+      <p:sp>
+        <p:nvSpPr>
+          <p:cNvPr id="4" name="投影片編號版面配置區 3"/>
+          <p:cNvSpPr>
+            <a:spLocks noGrp="1"/>
+          </p:cNvSpPr>
+          <p:nvPr>
+            <p:ph type="sldNum" sz="quarter" idx="5"/>
+          </p:nvPr>
+        </p:nvSpPr>
+        <p:spPr/>
+        <p:txBody>
+          <a:bodyPr/>
+          <a:lstStyle/>
+          <a:p>
+            <a:fld id="{6D18717E-F74C-4246-A795-6577BEDC8382}" type="slidenum">
+              <a:rPr kumimoji="1" lang="zh-CN" altLang="en-US" smtClean="0"/>
+              <a:t>8</a:t>
+            </a:fld>
+            <a:endParaRPr kumimoji="1" lang="zh-CN" altLang="en-US"/>
+          </a:p>
+        </p:txBody>
+      </p:sp>
+    </p:spTree>
+    <p:extLst>
+      <p:ext uri="{BB962C8B-B14F-4D97-AF65-F5344CB8AC3E}">
+        <p14:creationId xmlns:p14="http://schemas.microsoft.com/office/powerpoint/2010/main" val="2714520213"/>
+      </p:ext>
+    </p:extLst>
+  </p:cSld>
+  <p:clrMapOvr>
+    <a:masterClrMapping/>
+  </p:clrMapOvr>
+</p:notes>
+</file>
+
+<file path=ppt/notesSlides/notesSlide3.xml><?xml version="1.0" encoding="utf-8"?>
+<p:notes xmlns:a="http://schemas.openxmlformats.org/drawingml/2006/main" xmlns:r="http://schemas.openxmlformats.org/officeDocument/2006/relationships" xmlns:p="http://schemas.openxmlformats.org/presentationml/2006/main">
+  <p:cSld>
+    <p:spTree>
+      <p:nvGrpSpPr>
+        <p:cNvPr id="1" name=""/>
+        <p:cNvGrpSpPr/>
+        <p:nvPr/>
+      </p:nvGrpSpPr>
+      <p:grpSpPr>
+        <a:xfrm>
+          <a:off x="0" y="0"/>
+          <a:ext cx="0" cy="0"/>
+          <a:chOff x="0" y="0"/>
+          <a:chExt cx="0" cy="0"/>
+        </a:xfrm>
+      </p:grpSpPr>
+      <p:sp>
+        <p:nvSpPr>
+          <p:cNvPr id="2" name="投影片影像版面配置區 1"/>
+          <p:cNvSpPr>
+            <a:spLocks noGrp="1" noRot="1" noChangeAspect="1"/>
+          </p:cNvSpPr>
+          <p:nvPr>
+            <p:ph type="sldImg"/>
+          </p:nvPr>
+        </p:nvSpPr>
+        <p:spPr/>
+      </p:sp>
+      <p:sp>
+        <p:nvSpPr>
+          <p:cNvPr id="3" name="備忘稿版面配置區 2"/>
+          <p:cNvSpPr>
+            <a:spLocks noGrp="1"/>
+          </p:cNvSpPr>
+          <p:nvPr>
+            <p:ph type="body" idx="1"/>
+          </p:nvPr>
+        </p:nvSpPr>
+        <p:spPr/>
+        <p:txBody>
+          <a:bodyPr/>
+          <a:lstStyle/>
+          <a:p>
+            <a:pPr marL="0" marR="0" lvl="0" indent="0" algn="l" defTabSz="914400" rtl="0" eaLnBrk="1" fontAlgn="auto" latinLnBrk="0" hangingPunct="1">
+              <a:lnSpc>
+                <a:spcPct val="100000"/>
+              </a:lnSpc>
+              <a:spcBef>
+                <a:spcPts val="0"/>
+              </a:spcBef>
+              <a:spcAft>
+                <a:spcPts val="0"/>
+              </a:spcAft>
+              <a:buClrTx/>
+              <a:buSzTx/>
+              <a:buFontTx/>
+              <a:buNone/>
+              <a:tabLst/>
+              <a:defRPr/>
+            </a:pPr>
+            <a:r>
+              <a:rPr lang="zh-HK" altLang="en-US" dirty="0">
+                <a:latin typeface="STZhongsong" panose="02010600040101010101" pitchFamily="2" charset="-122"/>
+                <a:ea typeface="STZhongsong" panose="02010600040101010101" pitchFamily="2" charset="-122"/>
+              </a:rPr>
+              <a:t>第一次</a:t>
+            </a:r>
+            <a:r>
+              <a:rPr lang="zh-TW" altLang="en-US" dirty="0">
+                <a:latin typeface="STZhongsong" panose="02010600040101010101" pitchFamily="2" charset="-122"/>
+                <a:ea typeface="STZhongsong" panose="02010600040101010101" pitchFamily="2" charset="-122"/>
+              </a:rPr>
+              <a:t>接触板子先复现学长学姐们已经完成的工作再进行下一步的开发</a:t>
+            </a:r>
+            <a:endParaRPr lang="zh-HK" altLang="en-US" dirty="0">
+              <a:latin typeface="STZhongsong" panose="02010600040101010101" pitchFamily="2" charset="-122"/>
+              <a:ea typeface="STZhongsong" panose="02010600040101010101" pitchFamily="2" charset="-122"/>
+            </a:endParaRPr>
+          </a:p>
+          <a:p>
+            <a:endParaRPr lang="zh-HK" altLang="en-US" dirty="0"/>
+          </a:p>
+        </p:txBody>
+      </p:sp>
+      <p:sp>
+        <p:nvSpPr>
+          <p:cNvPr id="4" name="投影片編號版面配置區 3"/>
+          <p:cNvSpPr>
+            <a:spLocks noGrp="1"/>
+          </p:cNvSpPr>
+          <p:nvPr>
+            <p:ph type="sldNum" sz="quarter" idx="5"/>
+          </p:nvPr>
+        </p:nvSpPr>
+        <p:spPr/>
+        <p:txBody>
+          <a:bodyPr/>
+          <a:lstStyle/>
+          <a:p>
+            <a:fld id="{6D18717E-F74C-4246-A795-6577BEDC8382}" type="slidenum">
+              <a:rPr kumimoji="1" lang="zh-CN" altLang="en-US" smtClean="0"/>
+              <a:t>11</a:t>
+            </a:fld>
+            <a:endParaRPr kumimoji="1" lang="zh-CN" altLang="en-US"/>
+          </a:p>
+        </p:txBody>
+      </p:sp>
+    </p:spTree>
+    <p:extLst>
+      <p:ext uri="{BB962C8B-B14F-4D97-AF65-F5344CB8AC3E}">
+        <p14:creationId xmlns:p14="http://schemas.microsoft.com/office/powerpoint/2010/main" val="939620285"/>
+      </p:ext>
+    </p:extLst>
+  </p:cSld>
+  <p:clrMapOvr>
+    <a:masterClrMapping/>
+  </p:clrMapOvr>
+</p:notes>
+</file>
+
+<file path=ppt/notesSlides/notesSlide4.xml><?xml version="1.0" encoding="utf-8"?>
+<p:notes xmlns:a="http://schemas.openxmlformats.org/drawingml/2006/main" xmlns:r="http://schemas.openxmlformats.org/officeDocument/2006/relationships" xmlns:p="http://schemas.openxmlformats.org/presentationml/2006/main">
+  <p:cSld>
+    <p:spTree>
+      <p:nvGrpSpPr>
+        <p:cNvPr id="1" name=""/>
+        <p:cNvGrpSpPr/>
+        <p:nvPr/>
+      </p:nvGrpSpPr>
+      <p:grpSpPr>
+        <a:xfrm>
+          <a:off x="0" y="0"/>
+          <a:ext cx="0" cy="0"/>
+          <a:chOff x="0" y="0"/>
+          <a:chExt cx="0" cy="0"/>
+        </a:xfrm>
+      </p:grpSpPr>
+      <p:sp>
+        <p:nvSpPr>
+          <p:cNvPr id="2" name="投影片影像版面配置區 1"/>
+          <p:cNvSpPr>
+            <a:spLocks noGrp="1" noRot="1" noChangeAspect="1"/>
+          </p:cNvSpPr>
+          <p:nvPr>
+            <p:ph type="sldImg"/>
+          </p:nvPr>
+        </p:nvSpPr>
+        <p:spPr/>
+      </p:sp>
+      <p:sp>
+        <p:nvSpPr>
+          <p:cNvPr id="3" name="備忘稿版面配置區 2"/>
+          <p:cNvSpPr>
+            <a:spLocks noGrp="1"/>
+          </p:cNvSpPr>
+          <p:nvPr>
+            <p:ph type="body" idx="1"/>
+          </p:nvPr>
+        </p:nvSpPr>
+        <p:spPr/>
+        <p:txBody>
+          <a:bodyPr/>
+          <a:lstStyle/>
+          <a:p>
+            <a:endParaRPr lang="zh-HK" altLang="en-US" dirty="0"/>
+          </a:p>
+        </p:txBody>
+      </p:sp>
+      <p:sp>
+        <p:nvSpPr>
+          <p:cNvPr id="4" name="投影片編號版面配置區 3"/>
+          <p:cNvSpPr>
+            <a:spLocks noGrp="1"/>
+          </p:cNvSpPr>
+          <p:nvPr>
+            <p:ph type="sldNum" sz="quarter" idx="5"/>
+          </p:nvPr>
+        </p:nvSpPr>
+        <p:spPr/>
+        <p:txBody>
+          <a:bodyPr/>
+          <a:lstStyle/>
+          <a:p>
+            <a:fld id="{6D18717E-F74C-4246-A795-6577BEDC8382}" type="slidenum">
+              <a:rPr kumimoji="1" lang="zh-CN" altLang="en-US" smtClean="0"/>
+              <a:t>13</a:t>
+            </a:fld>
+            <a:endParaRPr kumimoji="1" lang="zh-CN" altLang="en-US"/>
+          </a:p>
+        </p:txBody>
+      </p:sp>
+    </p:spTree>
+    <p:extLst>
+      <p:ext uri="{BB962C8B-B14F-4D97-AF65-F5344CB8AC3E}">
+        <p14:creationId xmlns:p14="http://schemas.microsoft.com/office/powerpoint/2010/main" val="3381414579"/>
+      </p:ext>
+    </p:extLst>
+  </p:cSld>
+  <p:clrMapOvr>
+    <a:masterClrMapping/>
+  </p:clrMapOvr>
+</p:notes>
+</file>
+
 <file path=ppt/slideLayouts/slideLayout1.xml><?xml version="1.0" encoding="utf-8"?>
 <p:sldLayout xmlns:a="http://schemas.openxmlformats.org/drawingml/2006/main" xmlns:r="http://schemas.openxmlformats.org/officeDocument/2006/relationships" xmlns:p="http://schemas.openxmlformats.org/presentationml/2006/main" showMasterSp="0" preserve="1" userDrawn="1">
   <p:cSld name="标题幻灯片">
@@ -7887,7 +8352,7 @@
                 <a:latin typeface="STZhongsong" panose="02010600040101010101" pitchFamily="2" charset="-122"/>
                 <a:ea typeface="STZhongsong" panose="02010600040101010101" pitchFamily="2" charset="-122"/>
               </a:rPr>
-              <a:t>困难与挑战</a:t>
+              <a:t>工作特色及其难点、拟采取的解决方法</a:t>
             </a:r>
             <a:endParaRPr kumimoji="1" lang="zh-CN" altLang="en-US" dirty="0"/>
           </a:p>
@@ -7939,7 +8404,12 @@
             <p:ph type="body" idx="1"/>
           </p:nvPr>
         </p:nvSpPr>
-        <p:spPr/>
+        <p:spPr>
+          <a:xfrm>
+            <a:off x="665533" y="3219806"/>
+            <a:ext cx="5087075" cy="536005"/>
+          </a:xfrm>
+        </p:spPr>
         <p:txBody>
           <a:bodyPr/>
           <a:lstStyle/>
@@ -7974,52 +8444,24 @@
             <p:ph sz="half" idx="2"/>
           </p:nvPr>
         </p:nvSpPr>
-        <p:spPr/>
+        <p:spPr>
+          <a:xfrm>
+            <a:off x="665534" y="3832061"/>
+            <a:ext cx="5393100" cy="2934999"/>
+          </a:xfrm>
+        </p:spPr>
         <p:txBody>
           <a:bodyPr/>
           <a:lstStyle/>
           <a:p>
             <a:r>
-              <a:rPr lang="zh-HK" altLang="en-US">
+              <a:rPr lang="zh-TW" altLang="en-US" dirty="0">
                 <a:latin typeface="STZhongsong" panose="02010600040101010101" pitchFamily="2" charset="-122"/>
                 <a:ea typeface="STZhongsong" panose="02010600040101010101" pitchFamily="2" charset="-122"/>
               </a:rPr>
-              <a:t>第一次</a:t>
-            </a:r>
-            <a:r>
-              <a:rPr lang="zh-TW" altLang="en-US">
-                <a:latin typeface="STZhongsong" panose="02010600040101010101" pitchFamily="2" charset="-122"/>
-                <a:ea typeface="STZhongsong" panose="02010600040101010101" pitchFamily="2" charset="-122"/>
-              </a:rPr>
-              <a:t>接触板子，需要从零学习板子的相关知识</a:t>
+              <a:t>目前与计算机端控制交互还未完全调通，需要先把板子与计算机端交互调稳定</a:t>
             </a:r>
             <a:endParaRPr lang="en-US" altLang="zh-TW" dirty="0">
-              <a:latin typeface="STZhongsong" panose="02010600040101010101" pitchFamily="2" charset="-122"/>
-              <a:ea typeface="STZhongsong" panose="02010600040101010101" pitchFamily="2" charset="-122"/>
-            </a:endParaRPr>
-          </a:p>
-          <a:p>
-            <a:r>
-              <a:rPr lang="zh-TW" altLang="en-US">
-                <a:latin typeface="STZhongsong" panose="02010600040101010101" pitchFamily="2" charset="-122"/>
-                <a:ea typeface="STZhongsong" panose="02010600040101010101" pitchFamily="2" charset="-122"/>
-              </a:rPr>
-              <a:t>目前与计算机端控制交互还未完全调通，需要先把板子与计算机端交互调稳定</a:t>
-            </a:r>
-            <a:endParaRPr lang="en-US" altLang="zh-TW" dirty="0">
-              <a:latin typeface="STZhongsong" panose="02010600040101010101" pitchFamily="2" charset="-122"/>
-              <a:ea typeface="STZhongsong" panose="02010600040101010101" pitchFamily="2" charset="-122"/>
-            </a:endParaRPr>
-          </a:p>
-          <a:p>
-            <a:r>
-              <a:rPr lang="zh-TW" altLang="en-US">
-                <a:latin typeface="STZhongsong" panose="02010600040101010101" pitchFamily="2" charset="-122"/>
-                <a:ea typeface="STZhongsong" panose="02010600040101010101" pitchFamily="2" charset="-122"/>
-              </a:rPr>
-              <a:t>先复现学长学姐们已经完成的工作再进行下一步的开发</a:t>
-            </a:r>
-            <a:endParaRPr lang="zh-HK" altLang="en-US" dirty="0">
               <a:latin typeface="STZhongsong" panose="02010600040101010101" pitchFamily="2" charset="-122"/>
               <a:ea typeface="STZhongsong" panose="02010600040101010101" pitchFamily="2" charset="-122"/>
             </a:endParaRPr>
@@ -8042,7 +8484,12 @@
             <p:ph type="body" sz="quarter" idx="3"/>
           </p:nvPr>
         </p:nvSpPr>
-        <p:spPr/>
+        <p:spPr>
+          <a:xfrm>
+            <a:off x="696842" y="4669937"/>
+            <a:ext cx="5087073" cy="553373"/>
+          </a:xfrm>
+        </p:spPr>
         <p:txBody>
           <a:bodyPr/>
           <a:lstStyle/>
@@ -8087,27 +8534,32 @@
             <p:ph sz="quarter" idx="4"/>
           </p:nvPr>
         </p:nvSpPr>
-        <p:spPr/>
+        <p:spPr>
+          <a:xfrm>
+            <a:off x="686142" y="5357960"/>
+            <a:ext cx="5393100" cy="2934999"/>
+          </a:xfrm>
+        </p:spPr>
         <p:txBody>
           <a:bodyPr/>
           <a:lstStyle/>
           <a:p>
             <a:r>
-              <a:rPr lang="zh-TW" altLang="en-US">
+              <a:rPr lang="zh-TW" altLang="en-US" dirty="0">
                 <a:latin typeface="STZhongsong" panose="02010600040101010101" pitchFamily="2" charset="-122"/>
                 <a:ea typeface="STZhongsong" panose="02010600040101010101" pitchFamily="2" charset="-122"/>
               </a:rPr>
               <a:t>需要学习大量关于搭建</a:t>
             </a:r>
             <a:r>
-              <a:rPr lang="en-US" altLang="zh-TW">
+              <a:rPr lang="en-US" altLang="zh-TW" dirty="0">
                 <a:latin typeface="STZhongsong" panose="02010600040101010101" pitchFamily="2" charset="-122"/>
                 <a:ea typeface="STZhongsong" panose="02010600040101010101" pitchFamily="2" charset="-122"/>
               </a:rPr>
               <a:t>Moodle</a:t>
             </a:r>
             <a:r>
-              <a:rPr lang="zh-TW" altLang="en-US">
+              <a:rPr lang="zh-TW" altLang="en-US" dirty="0">
                 <a:latin typeface="STZhongsong" panose="02010600040101010101" pitchFamily="2" charset="-122"/>
                 <a:ea typeface="STZhongsong" panose="02010600040101010101" pitchFamily="2" charset="-122"/>
               </a:rPr>
@@ -8120,7 +8572,7 @@
           </a:p>
           <a:p>
             <a:r>
-              <a:rPr lang="zh-TW" altLang="en-US">
+              <a:rPr lang="zh-TW" altLang="en-US" dirty="0">
                 <a:latin typeface="STZhongsong" panose="02010600040101010101" pitchFamily="2" charset="-122"/>
                 <a:ea typeface="STZhongsong" panose="02010600040101010101" pitchFamily="2" charset="-122"/>
               </a:rPr>
@@ -8161,7 +8613,7 @@
                 <a:latin typeface="STZhongsong" panose="02010600040101010101" pitchFamily="2" charset="-122"/>
                 <a:ea typeface="STZhongsong" panose="02010600040101010101" pitchFamily="2" charset="-122"/>
               </a:rPr>
-              <a:t>困难与挑战</a:t>
+              <a:t>工作特色及其难点、拟采取的解决方法</a:t>
             </a:r>
             <a:endParaRPr lang="zh-HK" altLang="en-US" dirty="0">
               <a:latin typeface="STZhongsong" panose="02010600040101010101" pitchFamily="2" charset="-122"/>
@@ -8170,10 +8622,1052 @@
           </a:p>
         </p:txBody>
       </p:sp>
+      <p:sp>
+        <p:nvSpPr>
+          <p:cNvPr id="7" name="文字方塊 6">
+            <a:extLst>
+              <a:ext uri="{FF2B5EF4-FFF2-40B4-BE49-F238E27FC236}">
+                <a16:creationId xmlns:a16="http://schemas.microsoft.com/office/drawing/2014/main" id="{70446352-CD77-4A36-AF38-2BEFC3D2619E}"/>
+              </a:ext>
+            </a:extLst>
+          </p:cNvPr>
+          <p:cNvSpPr txBox="1"/>
+          <p:nvPr/>
+        </p:nvSpPr>
+        <p:spPr>
+          <a:xfrm>
+            <a:off x="648777" y="2307005"/>
+            <a:ext cx="10572125" cy="369332"/>
+          </a:xfrm>
+          <a:prstGeom prst="rect">
+            <a:avLst/>
+          </a:prstGeom>
+          <a:noFill/>
+        </p:spPr>
+        <p:txBody>
+          <a:bodyPr wrap="none" rtlCol="0">
+            <a:spAutoFit/>
+          </a:bodyPr>
+          <a:lstStyle/>
+          <a:p>
+            <a:r>
+              <a:rPr lang="zh-TW" altLang="en-US" dirty="0">
+                <a:latin typeface="STZhongsong" panose="02010600040101010101" pitchFamily="2" charset="-122"/>
+                <a:ea typeface="STZhongsong" panose="02010600040101010101" pitchFamily="2" charset="-122"/>
+              </a:rPr>
+              <a:t>目前还没有以真实板子来进行交互的线上实验平台，所以这项工作是在已有的基础上进行创新的工作。</a:t>
+            </a:r>
+            <a:endParaRPr lang="zh-HK" altLang="en-US" dirty="0">
+              <a:latin typeface="STZhongsong" panose="02010600040101010101" pitchFamily="2" charset="-122"/>
+              <a:ea typeface="STZhongsong" panose="02010600040101010101" pitchFamily="2" charset="-122"/>
+            </a:endParaRPr>
+          </a:p>
+        </p:txBody>
+      </p:sp>
+      <p:sp>
+        <p:nvSpPr>
+          <p:cNvPr id="8" name="內容版面配置區 2">
+            <a:extLst>
+              <a:ext uri="{FF2B5EF4-FFF2-40B4-BE49-F238E27FC236}">
+                <a16:creationId xmlns:a16="http://schemas.microsoft.com/office/drawing/2014/main" id="{C5D98071-EB3E-4F3E-A235-58FF1B5AA161}"/>
+              </a:ext>
+            </a:extLst>
+          </p:cNvPr>
+          <p:cNvSpPr txBox="1">
+            <a:spLocks/>
+          </p:cNvSpPr>
+          <p:nvPr/>
+        </p:nvSpPr>
+        <p:spPr>
+          <a:xfrm>
+            <a:off x="6058634" y="3755811"/>
+            <a:ext cx="5393100" cy="2934999"/>
+          </a:xfrm>
+          <a:prstGeom prst="rect">
+            <a:avLst/>
+          </a:prstGeom>
+        </p:spPr>
+        <p:txBody>
+          <a:bodyPr vert="horz" lIns="91440" tIns="45720" rIns="91440" bIns="45720" rtlCol="0" anchor="t">
+            <a:normAutofit/>
+          </a:bodyPr>
+          <a:lstStyle>
+            <a:lvl1pPr marL="305992" indent="-305992" algn="l" defTabSz="457189" rtl="0" eaLnBrk="1" latinLnBrk="0" hangingPunct="1">
+              <a:spcBef>
+                <a:spcPct val="20000"/>
+              </a:spcBef>
+              <a:spcAft>
+                <a:spcPts val="600"/>
+              </a:spcAft>
+              <a:buClr>
+                <a:schemeClr val="accent2"/>
+              </a:buClr>
+              <a:buSzPct val="92000"/>
+              <a:buFont typeface="Wingdings 2" panose="05020102010507070707" pitchFamily="18" charset="2"/>
+              <a:buChar char=""/>
+              <a:defRPr sz="1800" kern="1200">
+                <a:solidFill>
+                  <a:schemeClr val="tx2"/>
+                </a:solidFill>
+                <a:latin typeface="+mn-lt"/>
+                <a:ea typeface="+mn-ea"/>
+                <a:cs typeface="+mn-cs"/>
+              </a:defRPr>
+            </a:lvl1pPr>
+            <a:lvl2pPr marL="629984" indent="-305992" algn="l" defTabSz="457189" rtl="0" eaLnBrk="1" latinLnBrk="0" hangingPunct="1">
+              <a:spcBef>
+                <a:spcPct val="20000"/>
+              </a:spcBef>
+              <a:spcAft>
+                <a:spcPts val="600"/>
+              </a:spcAft>
+              <a:buClr>
+                <a:schemeClr val="accent2"/>
+              </a:buClr>
+              <a:buSzPct val="92000"/>
+              <a:buFont typeface="Wingdings 2" panose="05020102010507070707" pitchFamily="18" charset="2"/>
+              <a:buChar char=""/>
+              <a:defRPr sz="1600" kern="1200">
+                <a:solidFill>
+                  <a:schemeClr val="tx2"/>
+                </a:solidFill>
+                <a:latin typeface="+mn-lt"/>
+                <a:ea typeface="+mn-ea"/>
+                <a:cs typeface="+mn-cs"/>
+              </a:defRPr>
+            </a:lvl2pPr>
+            <a:lvl3pPr marL="899978" indent="-269993" algn="l" defTabSz="457189" rtl="0" eaLnBrk="1" latinLnBrk="0" hangingPunct="1">
+              <a:spcBef>
+                <a:spcPct val="20000"/>
+              </a:spcBef>
+              <a:spcAft>
+                <a:spcPts val="600"/>
+              </a:spcAft>
+              <a:buClr>
+                <a:schemeClr val="accent2"/>
+              </a:buClr>
+              <a:buSzPct val="92000"/>
+              <a:buFont typeface="Wingdings 2" panose="05020102010507070707" pitchFamily="18" charset="2"/>
+              <a:buChar char=""/>
+              <a:defRPr sz="1400" kern="1200">
+                <a:solidFill>
+                  <a:schemeClr val="tx2"/>
+                </a:solidFill>
+                <a:latin typeface="+mn-lt"/>
+                <a:ea typeface="+mn-ea"/>
+                <a:cs typeface="+mn-cs"/>
+              </a:defRPr>
+            </a:lvl3pPr>
+            <a:lvl4pPr marL="1241969" indent="-233994" algn="l" defTabSz="457189" rtl="0" eaLnBrk="1" latinLnBrk="0" hangingPunct="1">
+              <a:spcBef>
+                <a:spcPct val="20000"/>
+              </a:spcBef>
+              <a:spcAft>
+                <a:spcPts val="600"/>
+              </a:spcAft>
+              <a:buClr>
+                <a:schemeClr val="accent2"/>
+              </a:buClr>
+              <a:buSzPct val="92000"/>
+              <a:buFont typeface="Wingdings 2" panose="05020102010507070707" pitchFamily="18" charset="2"/>
+              <a:buChar char=""/>
+              <a:defRPr sz="1200" kern="1200">
+                <a:solidFill>
+                  <a:schemeClr val="tx2"/>
+                </a:solidFill>
+                <a:latin typeface="+mn-lt"/>
+                <a:ea typeface="+mn-ea"/>
+                <a:cs typeface="+mn-cs"/>
+              </a:defRPr>
+            </a:lvl4pPr>
+            <a:lvl5pPr marL="1601960" indent="-233994" algn="l" defTabSz="457189" rtl="0" eaLnBrk="1" latinLnBrk="0" hangingPunct="1">
+              <a:spcBef>
+                <a:spcPct val="20000"/>
+              </a:spcBef>
+              <a:spcAft>
+                <a:spcPts val="600"/>
+              </a:spcAft>
+              <a:buClr>
+                <a:schemeClr val="accent2"/>
+              </a:buClr>
+              <a:buSzPct val="92000"/>
+              <a:buFont typeface="Wingdings 2" panose="05020102010507070707" pitchFamily="18" charset="2"/>
+              <a:buChar char=""/>
+              <a:defRPr sz="1200" kern="1200">
+                <a:solidFill>
+                  <a:schemeClr val="tx2"/>
+                </a:solidFill>
+                <a:latin typeface="+mn-lt"/>
+                <a:ea typeface="+mn-ea"/>
+                <a:cs typeface="+mn-cs"/>
+              </a:defRPr>
+            </a:lvl5pPr>
+            <a:lvl6pPr marL="1899953" indent="-228594" algn="l" defTabSz="457189" rtl="0" eaLnBrk="1" latinLnBrk="0" hangingPunct="1">
+              <a:spcBef>
+                <a:spcPct val="20000"/>
+              </a:spcBef>
+              <a:spcAft>
+                <a:spcPts val="600"/>
+              </a:spcAft>
+              <a:buClr>
+                <a:schemeClr val="accent2"/>
+              </a:buClr>
+              <a:buSzPct val="92000"/>
+              <a:buFont typeface="Wingdings 2" panose="05020102010507070707" pitchFamily="18" charset="2"/>
+              <a:buChar char=""/>
+              <a:defRPr sz="1200" kern="1200">
+                <a:solidFill>
+                  <a:schemeClr val="tx2"/>
+                </a:solidFill>
+                <a:latin typeface="+mn-lt"/>
+                <a:ea typeface="+mn-ea"/>
+                <a:cs typeface="+mn-cs"/>
+              </a:defRPr>
+            </a:lvl6pPr>
+            <a:lvl7pPr marL="2199945" indent="-228594" algn="l" defTabSz="457189" rtl="0" eaLnBrk="1" latinLnBrk="0" hangingPunct="1">
+              <a:spcBef>
+                <a:spcPct val="20000"/>
+              </a:spcBef>
+              <a:spcAft>
+                <a:spcPts val="600"/>
+              </a:spcAft>
+              <a:buClr>
+                <a:schemeClr val="accent2"/>
+              </a:buClr>
+              <a:buSzPct val="92000"/>
+              <a:buFont typeface="Wingdings 2" panose="05020102010507070707" pitchFamily="18" charset="2"/>
+              <a:buChar char=""/>
+              <a:defRPr sz="1200" kern="1200">
+                <a:solidFill>
+                  <a:schemeClr val="tx2"/>
+                </a:solidFill>
+                <a:latin typeface="+mn-lt"/>
+                <a:ea typeface="+mn-ea"/>
+                <a:cs typeface="+mn-cs"/>
+              </a:defRPr>
+            </a:lvl7pPr>
+            <a:lvl8pPr marL="2499938" indent="-228594" algn="l" defTabSz="457189" rtl="0" eaLnBrk="1" latinLnBrk="0" hangingPunct="1">
+              <a:spcBef>
+                <a:spcPct val="20000"/>
+              </a:spcBef>
+              <a:spcAft>
+                <a:spcPts val="600"/>
+              </a:spcAft>
+              <a:buClr>
+                <a:schemeClr val="accent2"/>
+              </a:buClr>
+              <a:buSzPct val="92000"/>
+              <a:buFont typeface="Wingdings 2" panose="05020102010507070707" pitchFamily="18" charset="2"/>
+              <a:buChar char=""/>
+              <a:defRPr sz="1200" kern="1200">
+                <a:solidFill>
+                  <a:schemeClr val="tx2"/>
+                </a:solidFill>
+                <a:latin typeface="+mn-lt"/>
+                <a:ea typeface="+mn-ea"/>
+                <a:cs typeface="+mn-cs"/>
+              </a:defRPr>
+            </a:lvl8pPr>
+            <a:lvl9pPr marL="2799930" indent="-228594" algn="l" defTabSz="457189" rtl="0" eaLnBrk="1" latinLnBrk="0" hangingPunct="1">
+              <a:spcBef>
+                <a:spcPct val="20000"/>
+              </a:spcBef>
+              <a:spcAft>
+                <a:spcPts val="600"/>
+              </a:spcAft>
+              <a:buClr>
+                <a:schemeClr val="accent2"/>
+              </a:buClr>
+              <a:buSzPct val="92000"/>
+              <a:buFont typeface="Wingdings 2" panose="05020102010507070707" pitchFamily="18" charset="2"/>
+              <a:buChar char=""/>
+              <a:defRPr sz="1200" kern="1200">
+                <a:solidFill>
+                  <a:schemeClr val="tx2"/>
+                </a:solidFill>
+                <a:latin typeface="+mn-lt"/>
+                <a:ea typeface="+mn-ea"/>
+                <a:cs typeface="+mn-cs"/>
+              </a:defRPr>
+            </a:lvl9pPr>
+          </a:lstStyle>
+          <a:p>
+            <a:r>
+              <a:rPr lang="zh-TW" altLang="en-US" dirty="0">
+                <a:latin typeface="STZhongsong" panose="02010600040101010101" pitchFamily="2" charset="-122"/>
+                <a:ea typeface="STZhongsong" panose="02010600040101010101" pitchFamily="2" charset="-122"/>
+              </a:rPr>
+              <a:t>目前向勇老师的实验室里已有相关学长在进行相关调试，可以与学长进行交流学习</a:t>
+            </a:r>
+            <a:endParaRPr lang="en-US" altLang="zh-TW" dirty="0">
+              <a:latin typeface="STZhongsong" panose="02010600040101010101" pitchFamily="2" charset="-122"/>
+              <a:ea typeface="STZhongsong" panose="02010600040101010101" pitchFamily="2" charset="-122"/>
+            </a:endParaRPr>
+          </a:p>
+          <a:p>
+            <a:endParaRPr lang="en-US" altLang="zh-TW" dirty="0">
+              <a:latin typeface="STZhongsong" panose="02010600040101010101" pitchFamily="2" charset="-122"/>
+              <a:ea typeface="STZhongsong" panose="02010600040101010101" pitchFamily="2" charset="-122"/>
+            </a:endParaRPr>
+          </a:p>
+          <a:p>
+            <a:endParaRPr lang="en-US" altLang="zh-TW" dirty="0">
+              <a:latin typeface="STZhongsong" panose="02010600040101010101" pitchFamily="2" charset="-122"/>
+              <a:ea typeface="STZhongsong" panose="02010600040101010101" pitchFamily="2" charset="-122"/>
+            </a:endParaRPr>
+          </a:p>
+          <a:p>
+            <a:r>
+              <a:rPr lang="zh-TW" altLang="en-US" dirty="0">
+                <a:latin typeface="STZhongsong" panose="02010600040101010101" pitchFamily="2" charset="-122"/>
+                <a:ea typeface="STZhongsong" panose="02010600040101010101" pitchFamily="2" charset="-122"/>
+              </a:rPr>
+              <a:t>查阅相关文档、多进行尝试、询问比较熟悉的同学</a:t>
+            </a:r>
+            <a:endParaRPr lang="zh-HK" altLang="en-US" dirty="0">
+              <a:latin typeface="STZhongsong" panose="02010600040101010101" pitchFamily="2" charset="-122"/>
+              <a:ea typeface="STZhongsong" panose="02010600040101010101" pitchFamily="2" charset="-122"/>
+            </a:endParaRPr>
+          </a:p>
+        </p:txBody>
+      </p:sp>
+      <p:sp>
+        <p:nvSpPr>
+          <p:cNvPr id="9" name="文字版面配置區 1">
+            <a:extLst>
+              <a:ext uri="{FF2B5EF4-FFF2-40B4-BE49-F238E27FC236}">
+                <a16:creationId xmlns:a16="http://schemas.microsoft.com/office/drawing/2014/main" id="{0A4870E0-0D54-4297-A2CE-372139790398}"/>
+              </a:ext>
+            </a:extLst>
+          </p:cNvPr>
+          <p:cNvSpPr txBox="1">
+            <a:spLocks/>
+          </p:cNvSpPr>
+          <p:nvPr/>
+        </p:nvSpPr>
+        <p:spPr>
+          <a:xfrm>
+            <a:off x="665534" y="2683801"/>
+            <a:ext cx="5087075" cy="536005"/>
+          </a:xfrm>
+          <a:prstGeom prst="rect">
+            <a:avLst/>
+          </a:prstGeom>
+        </p:spPr>
+        <p:txBody>
+          <a:bodyPr vert="horz" lIns="91440" tIns="45720" rIns="91440" bIns="45720" rtlCol="0" anchor="b">
+            <a:noAutofit/>
+          </a:bodyPr>
+          <a:lstStyle>
+            <a:lvl1pPr marL="0" indent="0" algn="l" defTabSz="457189" rtl="0" eaLnBrk="1" latinLnBrk="0" hangingPunct="1">
+              <a:spcBef>
+                <a:spcPct val="20000"/>
+              </a:spcBef>
+              <a:spcAft>
+                <a:spcPts val="600"/>
+              </a:spcAft>
+              <a:buClr>
+                <a:schemeClr val="accent2"/>
+              </a:buClr>
+              <a:buSzPct val="92000"/>
+              <a:buFont typeface="Wingdings 2" panose="05020102010507070707" pitchFamily="18" charset="2"/>
+              <a:buNone/>
+              <a:defRPr sz="2200" b="0" kern="1200">
+                <a:solidFill>
+                  <a:schemeClr val="accent2"/>
+                </a:solidFill>
+                <a:latin typeface="+mn-lt"/>
+                <a:ea typeface="+mn-ea"/>
+                <a:cs typeface="+mn-cs"/>
+              </a:defRPr>
+            </a:lvl1pPr>
+            <a:lvl2pPr marL="457189" indent="0" algn="l" defTabSz="457189" rtl="0" eaLnBrk="1" latinLnBrk="0" hangingPunct="1">
+              <a:spcBef>
+                <a:spcPct val="20000"/>
+              </a:spcBef>
+              <a:spcAft>
+                <a:spcPts val="600"/>
+              </a:spcAft>
+              <a:buClr>
+                <a:schemeClr val="accent2"/>
+              </a:buClr>
+              <a:buSzPct val="92000"/>
+              <a:buFont typeface="Wingdings 2" panose="05020102010507070707" pitchFamily="18" charset="2"/>
+              <a:buNone/>
+              <a:defRPr sz="2000" b="1" kern="1200">
+                <a:solidFill>
+                  <a:schemeClr val="tx2"/>
+                </a:solidFill>
+                <a:latin typeface="+mn-lt"/>
+                <a:ea typeface="+mn-ea"/>
+                <a:cs typeface="+mn-cs"/>
+              </a:defRPr>
+            </a:lvl2pPr>
+            <a:lvl3pPr marL="914377" indent="0" algn="l" defTabSz="457189" rtl="0" eaLnBrk="1" latinLnBrk="0" hangingPunct="1">
+              <a:spcBef>
+                <a:spcPct val="20000"/>
+              </a:spcBef>
+              <a:spcAft>
+                <a:spcPts val="600"/>
+              </a:spcAft>
+              <a:buClr>
+                <a:schemeClr val="accent2"/>
+              </a:buClr>
+              <a:buSzPct val="92000"/>
+              <a:buFont typeface="Wingdings 2" panose="05020102010507070707" pitchFamily="18" charset="2"/>
+              <a:buNone/>
+              <a:defRPr sz="1800" b="1" kern="1200">
+                <a:solidFill>
+                  <a:schemeClr val="tx2"/>
+                </a:solidFill>
+                <a:latin typeface="+mn-lt"/>
+                <a:ea typeface="+mn-ea"/>
+                <a:cs typeface="+mn-cs"/>
+              </a:defRPr>
+            </a:lvl3pPr>
+            <a:lvl4pPr marL="1371566" indent="0" algn="l" defTabSz="457189" rtl="0" eaLnBrk="1" latinLnBrk="0" hangingPunct="1">
+              <a:spcBef>
+                <a:spcPct val="20000"/>
+              </a:spcBef>
+              <a:spcAft>
+                <a:spcPts val="600"/>
+              </a:spcAft>
+              <a:buClr>
+                <a:schemeClr val="accent2"/>
+              </a:buClr>
+              <a:buSzPct val="92000"/>
+              <a:buFont typeface="Wingdings 2" panose="05020102010507070707" pitchFamily="18" charset="2"/>
+              <a:buNone/>
+              <a:defRPr sz="1600" b="1" kern="1200">
+                <a:solidFill>
+                  <a:schemeClr val="tx2"/>
+                </a:solidFill>
+                <a:latin typeface="+mn-lt"/>
+                <a:ea typeface="+mn-ea"/>
+                <a:cs typeface="+mn-cs"/>
+              </a:defRPr>
+            </a:lvl4pPr>
+            <a:lvl5pPr marL="1828754" indent="0" algn="l" defTabSz="457189" rtl="0" eaLnBrk="1" latinLnBrk="0" hangingPunct="1">
+              <a:spcBef>
+                <a:spcPct val="20000"/>
+              </a:spcBef>
+              <a:spcAft>
+                <a:spcPts val="600"/>
+              </a:spcAft>
+              <a:buClr>
+                <a:schemeClr val="accent2"/>
+              </a:buClr>
+              <a:buSzPct val="92000"/>
+              <a:buFont typeface="Wingdings 2" panose="05020102010507070707" pitchFamily="18" charset="2"/>
+              <a:buNone/>
+              <a:defRPr sz="1600" b="1" kern="1200">
+                <a:solidFill>
+                  <a:schemeClr val="tx2"/>
+                </a:solidFill>
+                <a:latin typeface="+mn-lt"/>
+                <a:ea typeface="+mn-ea"/>
+                <a:cs typeface="+mn-cs"/>
+              </a:defRPr>
+            </a:lvl5pPr>
+            <a:lvl6pPr marL="2285943" indent="0" algn="l" defTabSz="457189" rtl="0" eaLnBrk="1" latinLnBrk="0" hangingPunct="1">
+              <a:spcBef>
+                <a:spcPct val="20000"/>
+              </a:spcBef>
+              <a:spcAft>
+                <a:spcPts val="600"/>
+              </a:spcAft>
+              <a:buClr>
+                <a:schemeClr val="accent2"/>
+              </a:buClr>
+              <a:buSzPct val="92000"/>
+              <a:buFont typeface="Wingdings 2" panose="05020102010507070707" pitchFamily="18" charset="2"/>
+              <a:buNone/>
+              <a:defRPr sz="1600" b="1" kern="1200">
+                <a:solidFill>
+                  <a:schemeClr val="tx2"/>
+                </a:solidFill>
+                <a:latin typeface="+mn-lt"/>
+                <a:ea typeface="+mn-ea"/>
+                <a:cs typeface="+mn-cs"/>
+              </a:defRPr>
+            </a:lvl6pPr>
+            <a:lvl7pPr marL="2743131" indent="0" algn="l" defTabSz="457189" rtl="0" eaLnBrk="1" latinLnBrk="0" hangingPunct="1">
+              <a:spcBef>
+                <a:spcPct val="20000"/>
+              </a:spcBef>
+              <a:spcAft>
+                <a:spcPts val="600"/>
+              </a:spcAft>
+              <a:buClr>
+                <a:schemeClr val="accent2"/>
+              </a:buClr>
+              <a:buSzPct val="92000"/>
+              <a:buFont typeface="Wingdings 2" panose="05020102010507070707" pitchFamily="18" charset="2"/>
+              <a:buNone/>
+              <a:defRPr sz="1600" b="1" kern="1200">
+                <a:solidFill>
+                  <a:schemeClr val="tx2"/>
+                </a:solidFill>
+                <a:latin typeface="+mn-lt"/>
+                <a:ea typeface="+mn-ea"/>
+                <a:cs typeface="+mn-cs"/>
+              </a:defRPr>
+            </a:lvl7pPr>
+            <a:lvl8pPr marL="3200320" indent="0" algn="l" defTabSz="457189" rtl="0" eaLnBrk="1" latinLnBrk="0" hangingPunct="1">
+              <a:spcBef>
+                <a:spcPct val="20000"/>
+              </a:spcBef>
+              <a:spcAft>
+                <a:spcPts val="600"/>
+              </a:spcAft>
+              <a:buClr>
+                <a:schemeClr val="accent2"/>
+              </a:buClr>
+              <a:buSzPct val="92000"/>
+              <a:buFont typeface="Wingdings 2" panose="05020102010507070707" pitchFamily="18" charset="2"/>
+              <a:buNone/>
+              <a:defRPr sz="1600" b="1" kern="1200">
+                <a:solidFill>
+                  <a:schemeClr val="tx2"/>
+                </a:solidFill>
+                <a:latin typeface="+mn-lt"/>
+                <a:ea typeface="+mn-ea"/>
+                <a:cs typeface="+mn-cs"/>
+              </a:defRPr>
+            </a:lvl8pPr>
+            <a:lvl9pPr marL="3657509" indent="0" algn="l" defTabSz="457189" rtl="0" eaLnBrk="1" latinLnBrk="0" hangingPunct="1">
+              <a:spcBef>
+                <a:spcPct val="20000"/>
+              </a:spcBef>
+              <a:spcAft>
+                <a:spcPts val="600"/>
+              </a:spcAft>
+              <a:buClr>
+                <a:schemeClr val="accent2"/>
+              </a:buClr>
+              <a:buSzPct val="92000"/>
+              <a:buFont typeface="Wingdings 2" panose="05020102010507070707" pitchFamily="18" charset="2"/>
+              <a:buNone/>
+              <a:defRPr sz="1600" b="1" kern="1200">
+                <a:solidFill>
+                  <a:schemeClr val="tx2"/>
+                </a:solidFill>
+                <a:latin typeface="+mn-lt"/>
+                <a:ea typeface="+mn-ea"/>
+                <a:cs typeface="+mn-cs"/>
+              </a:defRPr>
+            </a:lvl9pPr>
+          </a:lstStyle>
+          <a:p>
+            <a:r>
+              <a:rPr lang="zh-TW" altLang="en-US" dirty="0">
+                <a:latin typeface="STZhongsong" panose="02010600040101010101" pitchFamily="2" charset="-122"/>
+                <a:ea typeface="STZhongsong" panose="02010600040101010101" pitchFamily="2" charset="-122"/>
+              </a:rPr>
+              <a:t>难点</a:t>
+            </a:r>
+            <a:endParaRPr lang="zh-HK" altLang="en-US" dirty="0">
+              <a:latin typeface="STZhongsong" panose="02010600040101010101" pitchFamily="2" charset="-122"/>
+              <a:ea typeface="STZhongsong" panose="02010600040101010101" pitchFamily="2" charset="-122"/>
+            </a:endParaRPr>
+          </a:p>
+        </p:txBody>
+      </p:sp>
+      <p:sp>
+        <p:nvSpPr>
+          <p:cNvPr id="10" name="文字版面配置區 1">
+            <a:extLst>
+              <a:ext uri="{FF2B5EF4-FFF2-40B4-BE49-F238E27FC236}">
+                <a16:creationId xmlns:a16="http://schemas.microsoft.com/office/drawing/2014/main" id="{85585B40-8859-49A8-845B-A99F9FE11529}"/>
+              </a:ext>
+            </a:extLst>
+          </p:cNvPr>
+          <p:cNvSpPr txBox="1">
+            <a:spLocks/>
+          </p:cNvSpPr>
+          <p:nvPr/>
+        </p:nvSpPr>
+        <p:spPr>
+          <a:xfrm>
+            <a:off x="6381417" y="2683424"/>
+            <a:ext cx="5087075" cy="536005"/>
+          </a:xfrm>
+          <a:prstGeom prst="rect">
+            <a:avLst/>
+          </a:prstGeom>
+        </p:spPr>
+        <p:txBody>
+          <a:bodyPr vert="horz" lIns="91440" tIns="45720" rIns="91440" bIns="45720" rtlCol="0" anchor="b">
+            <a:noAutofit/>
+          </a:bodyPr>
+          <a:lstStyle>
+            <a:lvl1pPr marL="0" indent="0" algn="l" defTabSz="457189" rtl="0" eaLnBrk="1" latinLnBrk="0" hangingPunct="1">
+              <a:spcBef>
+                <a:spcPct val="20000"/>
+              </a:spcBef>
+              <a:spcAft>
+                <a:spcPts val="600"/>
+              </a:spcAft>
+              <a:buClr>
+                <a:schemeClr val="accent2"/>
+              </a:buClr>
+              <a:buSzPct val="92000"/>
+              <a:buFont typeface="Wingdings 2" panose="05020102010507070707" pitchFamily="18" charset="2"/>
+              <a:buNone/>
+              <a:defRPr sz="2200" b="0" kern="1200">
+                <a:solidFill>
+                  <a:schemeClr val="accent2"/>
+                </a:solidFill>
+                <a:latin typeface="+mn-lt"/>
+                <a:ea typeface="+mn-ea"/>
+                <a:cs typeface="+mn-cs"/>
+              </a:defRPr>
+            </a:lvl1pPr>
+            <a:lvl2pPr marL="457189" indent="0" algn="l" defTabSz="457189" rtl="0" eaLnBrk="1" latinLnBrk="0" hangingPunct="1">
+              <a:spcBef>
+                <a:spcPct val="20000"/>
+              </a:spcBef>
+              <a:spcAft>
+                <a:spcPts val="600"/>
+              </a:spcAft>
+              <a:buClr>
+                <a:schemeClr val="accent2"/>
+              </a:buClr>
+              <a:buSzPct val="92000"/>
+              <a:buFont typeface="Wingdings 2" panose="05020102010507070707" pitchFamily="18" charset="2"/>
+              <a:buNone/>
+              <a:defRPr sz="2000" b="1" kern="1200">
+                <a:solidFill>
+                  <a:schemeClr val="tx2"/>
+                </a:solidFill>
+                <a:latin typeface="+mn-lt"/>
+                <a:ea typeface="+mn-ea"/>
+                <a:cs typeface="+mn-cs"/>
+              </a:defRPr>
+            </a:lvl2pPr>
+            <a:lvl3pPr marL="914377" indent="0" algn="l" defTabSz="457189" rtl="0" eaLnBrk="1" latinLnBrk="0" hangingPunct="1">
+              <a:spcBef>
+                <a:spcPct val="20000"/>
+              </a:spcBef>
+              <a:spcAft>
+                <a:spcPts val="600"/>
+              </a:spcAft>
+              <a:buClr>
+                <a:schemeClr val="accent2"/>
+              </a:buClr>
+              <a:buSzPct val="92000"/>
+              <a:buFont typeface="Wingdings 2" panose="05020102010507070707" pitchFamily="18" charset="2"/>
+              <a:buNone/>
+              <a:defRPr sz="1800" b="1" kern="1200">
+                <a:solidFill>
+                  <a:schemeClr val="tx2"/>
+                </a:solidFill>
+                <a:latin typeface="+mn-lt"/>
+                <a:ea typeface="+mn-ea"/>
+                <a:cs typeface="+mn-cs"/>
+              </a:defRPr>
+            </a:lvl3pPr>
+            <a:lvl4pPr marL="1371566" indent="0" algn="l" defTabSz="457189" rtl="0" eaLnBrk="1" latinLnBrk="0" hangingPunct="1">
+              <a:spcBef>
+                <a:spcPct val="20000"/>
+              </a:spcBef>
+              <a:spcAft>
+                <a:spcPts val="600"/>
+              </a:spcAft>
+              <a:buClr>
+                <a:schemeClr val="accent2"/>
+              </a:buClr>
+              <a:buSzPct val="92000"/>
+              <a:buFont typeface="Wingdings 2" panose="05020102010507070707" pitchFamily="18" charset="2"/>
+              <a:buNone/>
+              <a:defRPr sz="1600" b="1" kern="1200">
+                <a:solidFill>
+                  <a:schemeClr val="tx2"/>
+                </a:solidFill>
+                <a:latin typeface="+mn-lt"/>
+                <a:ea typeface="+mn-ea"/>
+                <a:cs typeface="+mn-cs"/>
+              </a:defRPr>
+            </a:lvl4pPr>
+            <a:lvl5pPr marL="1828754" indent="0" algn="l" defTabSz="457189" rtl="0" eaLnBrk="1" latinLnBrk="0" hangingPunct="1">
+              <a:spcBef>
+                <a:spcPct val="20000"/>
+              </a:spcBef>
+              <a:spcAft>
+                <a:spcPts val="600"/>
+              </a:spcAft>
+              <a:buClr>
+                <a:schemeClr val="accent2"/>
+              </a:buClr>
+              <a:buSzPct val="92000"/>
+              <a:buFont typeface="Wingdings 2" panose="05020102010507070707" pitchFamily="18" charset="2"/>
+              <a:buNone/>
+              <a:defRPr sz="1600" b="1" kern="1200">
+                <a:solidFill>
+                  <a:schemeClr val="tx2"/>
+                </a:solidFill>
+                <a:latin typeface="+mn-lt"/>
+                <a:ea typeface="+mn-ea"/>
+                <a:cs typeface="+mn-cs"/>
+              </a:defRPr>
+            </a:lvl5pPr>
+            <a:lvl6pPr marL="2285943" indent="0" algn="l" defTabSz="457189" rtl="0" eaLnBrk="1" latinLnBrk="0" hangingPunct="1">
+              <a:spcBef>
+                <a:spcPct val="20000"/>
+              </a:spcBef>
+              <a:spcAft>
+                <a:spcPts val="600"/>
+              </a:spcAft>
+              <a:buClr>
+                <a:schemeClr val="accent2"/>
+              </a:buClr>
+              <a:buSzPct val="92000"/>
+              <a:buFont typeface="Wingdings 2" panose="05020102010507070707" pitchFamily="18" charset="2"/>
+              <a:buNone/>
+              <a:defRPr sz="1600" b="1" kern="1200">
+                <a:solidFill>
+                  <a:schemeClr val="tx2"/>
+                </a:solidFill>
+                <a:latin typeface="+mn-lt"/>
+                <a:ea typeface="+mn-ea"/>
+                <a:cs typeface="+mn-cs"/>
+              </a:defRPr>
+            </a:lvl6pPr>
+            <a:lvl7pPr marL="2743131" indent="0" algn="l" defTabSz="457189" rtl="0" eaLnBrk="1" latinLnBrk="0" hangingPunct="1">
+              <a:spcBef>
+                <a:spcPct val="20000"/>
+              </a:spcBef>
+              <a:spcAft>
+                <a:spcPts val="600"/>
+              </a:spcAft>
+              <a:buClr>
+                <a:schemeClr val="accent2"/>
+              </a:buClr>
+              <a:buSzPct val="92000"/>
+              <a:buFont typeface="Wingdings 2" panose="05020102010507070707" pitchFamily="18" charset="2"/>
+              <a:buNone/>
+              <a:defRPr sz="1600" b="1" kern="1200">
+                <a:solidFill>
+                  <a:schemeClr val="tx2"/>
+                </a:solidFill>
+                <a:latin typeface="+mn-lt"/>
+                <a:ea typeface="+mn-ea"/>
+                <a:cs typeface="+mn-cs"/>
+              </a:defRPr>
+            </a:lvl7pPr>
+            <a:lvl8pPr marL="3200320" indent="0" algn="l" defTabSz="457189" rtl="0" eaLnBrk="1" latinLnBrk="0" hangingPunct="1">
+              <a:spcBef>
+                <a:spcPct val="20000"/>
+              </a:spcBef>
+              <a:spcAft>
+                <a:spcPts val="600"/>
+              </a:spcAft>
+              <a:buClr>
+                <a:schemeClr val="accent2"/>
+              </a:buClr>
+              <a:buSzPct val="92000"/>
+              <a:buFont typeface="Wingdings 2" panose="05020102010507070707" pitchFamily="18" charset="2"/>
+              <a:buNone/>
+              <a:defRPr sz="1600" b="1" kern="1200">
+                <a:solidFill>
+                  <a:schemeClr val="tx2"/>
+                </a:solidFill>
+                <a:latin typeface="+mn-lt"/>
+                <a:ea typeface="+mn-ea"/>
+                <a:cs typeface="+mn-cs"/>
+              </a:defRPr>
+            </a:lvl8pPr>
+            <a:lvl9pPr marL="3657509" indent="0" algn="l" defTabSz="457189" rtl="0" eaLnBrk="1" latinLnBrk="0" hangingPunct="1">
+              <a:spcBef>
+                <a:spcPct val="20000"/>
+              </a:spcBef>
+              <a:spcAft>
+                <a:spcPts val="600"/>
+              </a:spcAft>
+              <a:buClr>
+                <a:schemeClr val="accent2"/>
+              </a:buClr>
+              <a:buSzPct val="92000"/>
+              <a:buFont typeface="Wingdings 2" panose="05020102010507070707" pitchFamily="18" charset="2"/>
+              <a:buNone/>
+              <a:defRPr sz="1600" b="1" kern="1200">
+                <a:solidFill>
+                  <a:schemeClr val="tx2"/>
+                </a:solidFill>
+                <a:latin typeface="+mn-lt"/>
+                <a:ea typeface="+mn-ea"/>
+                <a:cs typeface="+mn-cs"/>
+              </a:defRPr>
+            </a:lvl9pPr>
+          </a:lstStyle>
+          <a:p>
+            <a:r>
+              <a:rPr kumimoji="1" lang="zh-TW" altLang="en-US" dirty="0">
+                <a:latin typeface="STZhongsong" panose="02010600040101010101" pitchFamily="2" charset="-122"/>
+                <a:ea typeface="STZhongsong" panose="02010600040101010101" pitchFamily="2" charset="-122"/>
+              </a:rPr>
+              <a:t>拟采取的</a:t>
+            </a:r>
+            <a:r>
+              <a:rPr lang="zh-TW" altLang="en-US" dirty="0">
+                <a:latin typeface="STZhongsong" panose="02010600040101010101" pitchFamily="2" charset="-122"/>
+                <a:ea typeface="STZhongsong" panose="02010600040101010101" pitchFamily="2" charset="-122"/>
+              </a:rPr>
+              <a:t>解决方法</a:t>
+            </a:r>
+            <a:endParaRPr lang="zh-HK" altLang="en-US" dirty="0">
+              <a:latin typeface="STZhongsong" panose="02010600040101010101" pitchFamily="2" charset="-122"/>
+              <a:ea typeface="STZhongsong" panose="02010600040101010101" pitchFamily="2" charset="-122"/>
+            </a:endParaRPr>
+          </a:p>
+        </p:txBody>
+      </p:sp>
+      <p:sp>
+        <p:nvSpPr>
+          <p:cNvPr id="11" name="文字版面配置區 1">
+            <a:extLst>
+              <a:ext uri="{FF2B5EF4-FFF2-40B4-BE49-F238E27FC236}">
+                <a16:creationId xmlns:a16="http://schemas.microsoft.com/office/drawing/2014/main" id="{1E4B1935-E439-4469-8CB7-5DA170220CCE}"/>
+              </a:ext>
+            </a:extLst>
+          </p:cNvPr>
+          <p:cNvSpPr txBox="1">
+            <a:spLocks/>
+          </p:cNvSpPr>
+          <p:nvPr/>
+        </p:nvSpPr>
+        <p:spPr>
+          <a:xfrm>
+            <a:off x="665532" y="1616088"/>
+            <a:ext cx="5087075" cy="536005"/>
+          </a:xfrm>
+          <a:prstGeom prst="rect">
+            <a:avLst/>
+          </a:prstGeom>
+        </p:spPr>
+        <p:txBody>
+          <a:bodyPr vert="horz" lIns="91440" tIns="45720" rIns="91440" bIns="45720" rtlCol="0" anchor="b">
+            <a:noAutofit/>
+          </a:bodyPr>
+          <a:lstStyle>
+            <a:lvl1pPr marL="0" indent="0" algn="l" defTabSz="457189" rtl="0" eaLnBrk="1" latinLnBrk="0" hangingPunct="1">
+              <a:spcBef>
+                <a:spcPct val="20000"/>
+              </a:spcBef>
+              <a:spcAft>
+                <a:spcPts val="600"/>
+              </a:spcAft>
+              <a:buClr>
+                <a:schemeClr val="accent2"/>
+              </a:buClr>
+              <a:buSzPct val="92000"/>
+              <a:buFont typeface="Wingdings 2" panose="05020102010507070707" pitchFamily="18" charset="2"/>
+              <a:buNone/>
+              <a:defRPr sz="2200" b="0" kern="1200">
+                <a:solidFill>
+                  <a:schemeClr val="accent2"/>
+                </a:solidFill>
+                <a:latin typeface="+mn-lt"/>
+                <a:ea typeface="+mn-ea"/>
+                <a:cs typeface="+mn-cs"/>
+              </a:defRPr>
+            </a:lvl1pPr>
+            <a:lvl2pPr marL="457189" indent="0" algn="l" defTabSz="457189" rtl="0" eaLnBrk="1" latinLnBrk="0" hangingPunct="1">
+              <a:spcBef>
+                <a:spcPct val="20000"/>
+              </a:spcBef>
+              <a:spcAft>
+                <a:spcPts val="600"/>
+              </a:spcAft>
+              <a:buClr>
+                <a:schemeClr val="accent2"/>
+              </a:buClr>
+              <a:buSzPct val="92000"/>
+              <a:buFont typeface="Wingdings 2" panose="05020102010507070707" pitchFamily="18" charset="2"/>
+              <a:buNone/>
+              <a:defRPr sz="2000" b="1" kern="1200">
+                <a:solidFill>
+                  <a:schemeClr val="tx2"/>
+                </a:solidFill>
+                <a:latin typeface="+mn-lt"/>
+                <a:ea typeface="+mn-ea"/>
+                <a:cs typeface="+mn-cs"/>
+              </a:defRPr>
+            </a:lvl2pPr>
+            <a:lvl3pPr marL="914377" indent="0" algn="l" defTabSz="457189" rtl="0" eaLnBrk="1" latinLnBrk="0" hangingPunct="1">
+              <a:spcBef>
+                <a:spcPct val="20000"/>
+              </a:spcBef>
+              <a:spcAft>
+                <a:spcPts val="600"/>
+              </a:spcAft>
+              <a:buClr>
+                <a:schemeClr val="accent2"/>
+              </a:buClr>
+              <a:buSzPct val="92000"/>
+              <a:buFont typeface="Wingdings 2" panose="05020102010507070707" pitchFamily="18" charset="2"/>
+              <a:buNone/>
+              <a:defRPr sz="1800" b="1" kern="1200">
+                <a:solidFill>
+                  <a:schemeClr val="tx2"/>
+                </a:solidFill>
+                <a:latin typeface="+mn-lt"/>
+                <a:ea typeface="+mn-ea"/>
+                <a:cs typeface="+mn-cs"/>
+              </a:defRPr>
+            </a:lvl3pPr>
+            <a:lvl4pPr marL="1371566" indent="0" algn="l" defTabSz="457189" rtl="0" eaLnBrk="1" latinLnBrk="0" hangingPunct="1">
+              <a:spcBef>
+                <a:spcPct val="20000"/>
+              </a:spcBef>
+              <a:spcAft>
+                <a:spcPts val="600"/>
+              </a:spcAft>
+              <a:buClr>
+                <a:schemeClr val="accent2"/>
+              </a:buClr>
+              <a:buSzPct val="92000"/>
+              <a:buFont typeface="Wingdings 2" panose="05020102010507070707" pitchFamily="18" charset="2"/>
+              <a:buNone/>
+              <a:defRPr sz="1600" b="1" kern="1200">
+                <a:solidFill>
+                  <a:schemeClr val="tx2"/>
+                </a:solidFill>
+                <a:latin typeface="+mn-lt"/>
+                <a:ea typeface="+mn-ea"/>
+                <a:cs typeface="+mn-cs"/>
+              </a:defRPr>
+            </a:lvl4pPr>
+            <a:lvl5pPr marL="1828754" indent="0" algn="l" defTabSz="457189" rtl="0" eaLnBrk="1" latinLnBrk="0" hangingPunct="1">
+              <a:spcBef>
+                <a:spcPct val="20000"/>
+              </a:spcBef>
+              <a:spcAft>
+                <a:spcPts val="600"/>
+              </a:spcAft>
+              <a:buClr>
+                <a:schemeClr val="accent2"/>
+              </a:buClr>
+              <a:buSzPct val="92000"/>
+              <a:buFont typeface="Wingdings 2" panose="05020102010507070707" pitchFamily="18" charset="2"/>
+              <a:buNone/>
+              <a:defRPr sz="1600" b="1" kern="1200">
+                <a:solidFill>
+                  <a:schemeClr val="tx2"/>
+                </a:solidFill>
+                <a:latin typeface="+mn-lt"/>
+                <a:ea typeface="+mn-ea"/>
+                <a:cs typeface="+mn-cs"/>
+              </a:defRPr>
+            </a:lvl5pPr>
+            <a:lvl6pPr marL="2285943" indent="0" algn="l" defTabSz="457189" rtl="0" eaLnBrk="1" latinLnBrk="0" hangingPunct="1">
+              <a:spcBef>
+                <a:spcPct val="20000"/>
+              </a:spcBef>
+              <a:spcAft>
+                <a:spcPts val="600"/>
+              </a:spcAft>
+              <a:buClr>
+                <a:schemeClr val="accent2"/>
+              </a:buClr>
+              <a:buSzPct val="92000"/>
+              <a:buFont typeface="Wingdings 2" panose="05020102010507070707" pitchFamily="18" charset="2"/>
+              <a:buNone/>
+              <a:defRPr sz="1600" b="1" kern="1200">
+                <a:solidFill>
+                  <a:schemeClr val="tx2"/>
+                </a:solidFill>
+                <a:latin typeface="+mn-lt"/>
+                <a:ea typeface="+mn-ea"/>
+                <a:cs typeface="+mn-cs"/>
+              </a:defRPr>
+            </a:lvl6pPr>
+            <a:lvl7pPr marL="2743131" indent="0" algn="l" defTabSz="457189" rtl="0" eaLnBrk="1" latinLnBrk="0" hangingPunct="1">
+              <a:spcBef>
+                <a:spcPct val="20000"/>
+              </a:spcBef>
+              <a:spcAft>
+                <a:spcPts val="600"/>
+              </a:spcAft>
+              <a:buClr>
+                <a:schemeClr val="accent2"/>
+              </a:buClr>
+              <a:buSzPct val="92000"/>
+              <a:buFont typeface="Wingdings 2" panose="05020102010507070707" pitchFamily="18" charset="2"/>
+              <a:buNone/>
+              <a:defRPr sz="1600" b="1" kern="1200">
+                <a:solidFill>
+                  <a:schemeClr val="tx2"/>
+                </a:solidFill>
+                <a:latin typeface="+mn-lt"/>
+                <a:ea typeface="+mn-ea"/>
+                <a:cs typeface="+mn-cs"/>
+              </a:defRPr>
+            </a:lvl7pPr>
+            <a:lvl8pPr marL="3200320" indent="0" algn="l" defTabSz="457189" rtl="0" eaLnBrk="1" latinLnBrk="0" hangingPunct="1">
+              <a:spcBef>
+                <a:spcPct val="20000"/>
+              </a:spcBef>
+              <a:spcAft>
+                <a:spcPts val="600"/>
+              </a:spcAft>
+              <a:buClr>
+                <a:schemeClr val="accent2"/>
+              </a:buClr>
+              <a:buSzPct val="92000"/>
+              <a:buFont typeface="Wingdings 2" panose="05020102010507070707" pitchFamily="18" charset="2"/>
+              <a:buNone/>
+              <a:defRPr sz="1600" b="1" kern="1200">
+                <a:solidFill>
+                  <a:schemeClr val="tx2"/>
+                </a:solidFill>
+                <a:latin typeface="+mn-lt"/>
+                <a:ea typeface="+mn-ea"/>
+                <a:cs typeface="+mn-cs"/>
+              </a:defRPr>
+            </a:lvl8pPr>
+            <a:lvl9pPr marL="3657509" indent="0" algn="l" defTabSz="457189" rtl="0" eaLnBrk="1" latinLnBrk="0" hangingPunct="1">
+              <a:spcBef>
+                <a:spcPct val="20000"/>
+              </a:spcBef>
+              <a:spcAft>
+                <a:spcPts val="600"/>
+              </a:spcAft>
+              <a:buClr>
+                <a:schemeClr val="accent2"/>
+              </a:buClr>
+              <a:buSzPct val="92000"/>
+              <a:buFont typeface="Wingdings 2" panose="05020102010507070707" pitchFamily="18" charset="2"/>
+              <a:buNone/>
+              <a:defRPr sz="1600" b="1" kern="1200">
+                <a:solidFill>
+                  <a:schemeClr val="tx2"/>
+                </a:solidFill>
+                <a:latin typeface="+mn-lt"/>
+                <a:ea typeface="+mn-ea"/>
+                <a:cs typeface="+mn-cs"/>
+              </a:defRPr>
+            </a:lvl9pPr>
+          </a:lstStyle>
+          <a:p>
+            <a:r>
+              <a:rPr lang="zh-TW" altLang="en-US" dirty="0">
+                <a:latin typeface="STZhongsong" panose="02010600040101010101" pitchFamily="2" charset="-122"/>
+                <a:ea typeface="STZhongsong" panose="02010600040101010101" pitchFamily="2" charset="-122"/>
+              </a:rPr>
+              <a:t>工作特色</a:t>
+            </a:r>
+            <a:endParaRPr lang="zh-HK" altLang="en-US" dirty="0">
+              <a:latin typeface="STZhongsong" panose="02010600040101010101" pitchFamily="2" charset="-122"/>
+              <a:ea typeface="STZhongsong" panose="02010600040101010101" pitchFamily="2" charset="-122"/>
+            </a:endParaRPr>
+          </a:p>
+        </p:txBody>
+      </p:sp>
     </p:spTree>
     <p:extLst>
       <p:ext uri="{BB962C8B-B14F-4D97-AF65-F5344CB8AC3E}">
-        <p14:creationId xmlns:p14="http://schemas.microsoft.com/office/powerpoint/2010/main" val="515520093"/>
+        <p14:creationId xmlns:p14="http://schemas.microsoft.com/office/powerpoint/2010/main" val="1132845855"/>
       </p:ext>
     </p:extLst>
   </p:cSld>
@@ -8226,7 +9720,7 @@
                 <a:latin typeface="STZhongsong" panose="02010600040101010101" pitchFamily="2" charset="-122"/>
                 <a:ea typeface="STZhongsong" panose="02010600040101010101" pitchFamily="2" charset="-122"/>
               </a:rPr>
-              <a:t>计划安排</a:t>
+              <a:t>预期进度安排</a:t>
             </a:r>
             <a:endParaRPr kumimoji="1" lang="zh-CN" altLang="en-US" dirty="0"/>
           </a:p>
@@ -8291,74 +9785,119 @@
           <a:lstStyle/>
           <a:p>
             <a:r>
-              <a:rPr lang="en-US" altLang="zh-TW" sz="2000" dirty="0"/>
+              <a:rPr lang="en-US" altLang="zh-TW" sz="2000" dirty="0">
+                <a:latin typeface="STZhongsong" panose="02010600040101010101" pitchFamily="2" charset="-122"/>
+                <a:ea typeface="STZhongsong" panose="02010600040101010101" pitchFamily="2" charset="-122"/>
+              </a:rPr>
               <a:t>1-3</a:t>
             </a:r>
             <a:r>
-              <a:rPr lang="zh-TW" altLang="en-US" sz="2000" dirty="0"/>
-              <a:t>周：复现前人的工作，并学习板子相关内容，争取在两周内调稳定板子与计算机间的交互并开展后续工作。</a:t>
-            </a:r>
-          </a:p>
-          <a:p>
-            <a:r>
-              <a:rPr lang="en-US" altLang="zh-TW" sz="2000" dirty="0"/>
+              <a:rPr lang="zh-TW" altLang="en-US" sz="2000" dirty="0">
+                <a:latin typeface="STZhongsong" panose="02010600040101010101" pitchFamily="2" charset="-122"/>
+                <a:ea typeface="STZhongsong" panose="02010600040101010101" pitchFamily="2" charset="-122"/>
+              </a:rPr>
+              <a:t>周：向实验室里的学长学习板子相关内容，争取在两周内调稳定板子与计算机间的交互并开展后续工作。</a:t>
+            </a:r>
+          </a:p>
+          <a:p>
+            <a:r>
+              <a:rPr lang="en-US" altLang="zh-TW" sz="2000" dirty="0">
+                <a:latin typeface="STZhongsong" panose="02010600040101010101" pitchFamily="2" charset="-122"/>
+                <a:ea typeface="STZhongsong" panose="02010600040101010101" pitchFamily="2" charset="-122"/>
+              </a:rPr>
               <a:t>4-6</a:t>
             </a:r>
             <a:r>
-              <a:rPr lang="zh-TW" altLang="en-US" sz="2000" dirty="0"/>
+              <a:rPr lang="zh-TW" altLang="en-US" sz="2000" dirty="0">
+                <a:latin typeface="STZhongsong" panose="02010600040101010101" pitchFamily="2" charset="-122"/>
+                <a:ea typeface="STZhongsong" panose="02010600040101010101" pitchFamily="2" charset="-122"/>
+              </a:rPr>
               <a:t>周：落实并搭建基本网页框架，完成基本功能：登入功能，能够显示板子讯息，简易数据库。准备中期答辩。</a:t>
             </a:r>
           </a:p>
           <a:p>
             <a:r>
-              <a:rPr lang="en-US" altLang="zh-TW" sz="2000" dirty="0"/>
+              <a:rPr lang="en-US" altLang="zh-TW" sz="2000" dirty="0">
+                <a:latin typeface="STZhongsong" panose="02010600040101010101" pitchFamily="2" charset="-122"/>
+                <a:ea typeface="STZhongsong" panose="02010600040101010101" pitchFamily="2" charset="-122"/>
+              </a:rPr>
               <a:t>7-8</a:t>
             </a:r>
             <a:r>
-              <a:rPr lang="zh-TW" altLang="en-US" sz="2000" dirty="0"/>
+              <a:rPr lang="zh-TW" altLang="en-US" sz="2000" dirty="0">
+                <a:latin typeface="STZhongsong" panose="02010600040101010101" pitchFamily="2" charset="-122"/>
+                <a:ea typeface="STZhongsong" panose="02010600040101010101" pitchFamily="2" charset="-122"/>
+              </a:rPr>
               <a:t>周：完成文件加载功能，并具备选板子功能。</a:t>
             </a:r>
           </a:p>
           <a:p>
             <a:r>
-              <a:rPr lang="en-US" altLang="zh-TW" sz="2000" dirty="0"/>
+              <a:rPr lang="en-US" altLang="zh-TW" sz="2000" dirty="0">
+                <a:latin typeface="STZhongsong" panose="02010600040101010101" pitchFamily="2" charset="-122"/>
+                <a:ea typeface="STZhongsong" panose="02010600040101010101" pitchFamily="2" charset="-122"/>
+              </a:rPr>
               <a:t>9-10</a:t>
             </a:r>
             <a:r>
-              <a:rPr lang="zh-TW" altLang="en-US" sz="2000" dirty="0"/>
+              <a:rPr lang="zh-TW" altLang="en-US" sz="2000" dirty="0">
+                <a:latin typeface="STZhongsong" panose="02010600040101010101" pitchFamily="2" charset="-122"/>
+                <a:ea typeface="STZhongsong" panose="02010600040101010101" pitchFamily="2" charset="-122"/>
+              </a:rPr>
               <a:t>周：能够在实验平台上与板子进行基本交互。</a:t>
             </a:r>
           </a:p>
           <a:p>
             <a:r>
-              <a:rPr lang="en-US" altLang="zh-TW" sz="2000" dirty="0"/>
+              <a:rPr lang="en-US" altLang="zh-TW" sz="2000" dirty="0">
+                <a:latin typeface="STZhongsong" panose="02010600040101010101" pitchFamily="2" charset="-122"/>
+                <a:ea typeface="STZhongsong" panose="02010600040101010101" pitchFamily="2" charset="-122"/>
+              </a:rPr>
               <a:t>11-12</a:t>
             </a:r>
             <a:r>
-              <a:rPr lang="zh-TW" altLang="en-US" sz="2000" dirty="0"/>
+              <a:rPr lang="zh-TW" altLang="en-US" sz="2000" dirty="0">
+                <a:latin typeface="STZhongsong" panose="02010600040101010101" pitchFamily="2" charset="-122"/>
+                <a:ea typeface="STZhongsong" panose="02010600040101010101" pitchFamily="2" charset="-122"/>
+              </a:rPr>
               <a:t>周：能够在实验平台上显示板子的输出。</a:t>
             </a:r>
           </a:p>
           <a:p>
             <a:r>
-              <a:rPr lang="en-US" altLang="zh-TW" sz="2000" dirty="0"/>
+              <a:rPr lang="en-US" altLang="zh-TW" sz="2000" dirty="0">
+                <a:latin typeface="STZhongsong" panose="02010600040101010101" pitchFamily="2" charset="-122"/>
+                <a:ea typeface="STZhongsong" panose="02010600040101010101" pitchFamily="2" charset="-122"/>
+              </a:rPr>
               <a:t>13-14</a:t>
             </a:r>
             <a:r>
-              <a:rPr lang="zh-TW" altLang="en-US" sz="2000" dirty="0"/>
+              <a:rPr lang="zh-TW" altLang="en-US" sz="2000" dirty="0">
+                <a:latin typeface="STZhongsong" panose="02010600040101010101" pitchFamily="2" charset="-122"/>
+                <a:ea typeface="STZhongsong" panose="02010600040101010101" pitchFamily="2" charset="-122"/>
+              </a:rPr>
               <a:t>周：其他可能的扩展功能。</a:t>
             </a:r>
           </a:p>
           <a:p>
             <a:r>
-              <a:rPr lang="en-US" altLang="zh-TW" sz="2000" dirty="0"/>
+              <a:rPr lang="en-US" altLang="zh-TW" sz="2000" dirty="0">
+                <a:latin typeface="STZhongsong" panose="02010600040101010101" pitchFamily="2" charset="-122"/>
+                <a:ea typeface="STZhongsong" panose="02010600040101010101" pitchFamily="2" charset="-122"/>
+              </a:rPr>
               <a:t>15-16</a:t>
             </a:r>
             <a:r>
-              <a:rPr lang="zh-TW" altLang="en-US" sz="2000" dirty="0"/>
+              <a:rPr lang="zh-TW" altLang="en-US" sz="2000" dirty="0">
+                <a:latin typeface="STZhongsong" panose="02010600040101010101" pitchFamily="2" charset="-122"/>
+                <a:ea typeface="STZhongsong" panose="02010600040101010101" pitchFamily="2" charset="-122"/>
+              </a:rPr>
               <a:t>周：最后调整，并准备答辩资料。</a:t>
             </a:r>
-            <a:endParaRPr lang="zh-HK" altLang="en-US" sz="2000" dirty="0"/>
+            <a:endParaRPr lang="zh-HK" altLang="en-US" sz="2000" dirty="0">
+              <a:latin typeface="STZhongsong" panose="02010600040101010101" pitchFamily="2" charset="-122"/>
+              <a:ea typeface="STZhongsong" panose="02010600040101010101" pitchFamily="2" charset="-122"/>
+            </a:endParaRPr>
           </a:p>
         </p:txBody>
       </p:sp>
@@ -8390,7 +9929,7 @@
                 <a:latin typeface="STZhongsong" panose="02010600040101010101" pitchFamily="2" charset="-122"/>
                 <a:ea typeface="STZhongsong" panose="02010600040101010101" pitchFamily="2" charset="-122"/>
               </a:rPr>
-              <a:t>计划安排</a:t>
+              <a:t>预期进度安排</a:t>
             </a:r>
             <a:endParaRPr lang="zh-HK" altLang="en-US" dirty="0"/>
           </a:p>
@@ -8425,14 +9964,23 @@
           <a:lstStyle/>
           <a:p>
             <a:r>
-              <a:rPr lang="en-US" altLang="zh-TW" dirty="0"/>
+              <a:rPr lang="en-US" altLang="zh-TW" dirty="0">
+                <a:latin typeface="STZhongsong" panose="02010600040101010101" pitchFamily="2" charset="-122"/>
+                <a:ea typeface="STZhongsong" panose="02010600040101010101" pitchFamily="2" charset="-122"/>
+              </a:rPr>
               <a:t>*</a:t>
             </a:r>
             <a:r>
-              <a:rPr lang="zh-TW" altLang="en-US" dirty="0"/>
+              <a:rPr lang="zh-TW" altLang="en-US" dirty="0">
+                <a:latin typeface="STZhongsong" panose="02010600040101010101" pitchFamily="2" charset="-122"/>
+                <a:ea typeface="STZhongsong" panose="02010600040101010101" pitchFamily="2" charset="-122"/>
+              </a:rPr>
               <a:t>初步计划安排，在开题完、开始工作之后，或在中期考查时会稍作调整</a:t>
             </a:r>
-            <a:endParaRPr lang="zh-HK" altLang="en-US" dirty="0"/>
+            <a:endParaRPr lang="zh-HK" altLang="en-US" dirty="0">
+              <a:latin typeface="STZhongsong" panose="02010600040101010101" pitchFamily="2" charset="-122"/>
+              <a:ea typeface="STZhongsong" panose="02010600040101010101" pitchFamily="2" charset="-122"/>
+            </a:endParaRPr>
           </a:p>
         </p:txBody>
       </p:sp>
@@ -8567,7 +10115,28 @@
                 <a:latin typeface="+mj-ea"/>
                 <a:ea typeface="+mj-ea"/>
               </a:rPr>
-              <a:t>一 背景动机</a:t>
+              <a:t>一 </a:t>
+            </a:r>
+            <a:r>
+              <a:rPr kumimoji="1" lang="zh-TW" altLang="en-US" dirty="0">
+                <a:latin typeface="STZhongsong" panose="02010600040101010101" pitchFamily="2" charset="-122"/>
+                <a:ea typeface="STZhongsong" panose="02010600040101010101" pitchFamily="2" charset="-122"/>
+              </a:rPr>
+              <a:t>选题</a:t>
+            </a:r>
+            <a:r>
+              <a:rPr kumimoji="1" lang="zh-CN" altLang="en-US" dirty="0">
+                <a:latin typeface="STZhongsong" panose="02010600040101010101" pitchFamily="2" charset="-122"/>
+                <a:ea typeface="STZhongsong" panose="02010600040101010101" pitchFamily="2" charset="-122"/>
+              </a:rPr>
+              <a:t>背景</a:t>
+            </a:r>
+            <a:r>
+              <a:rPr kumimoji="1" lang="zh-TW" altLang="en-US" dirty="0">
+                <a:latin typeface="STZhongsong" panose="02010600040101010101" pitchFamily="2" charset="-122"/>
+                <a:ea typeface="STZhongsong" panose="02010600040101010101" pitchFamily="2" charset="-122"/>
+              </a:rPr>
+              <a:t>及意义</a:t>
             </a:r>
             <a:endParaRPr kumimoji="1" lang="en-US" altLang="zh-CN" dirty="0">
               <a:latin typeface="+mj-ea"/>
@@ -8580,11 +10149,18 @@
                 <a:latin typeface="+mj-ea"/>
                 <a:ea typeface="+mj-ea"/>
               </a:rPr>
-              <a:t>二 目标</a:t>
+              <a:t>二 </a:t>
+            </a:r>
+            <a:r>
+              <a:rPr kumimoji="1" lang="zh-TW" altLang="en-US" dirty="0">
+                <a:latin typeface="STZhongsong" panose="02010600040101010101" pitchFamily="2" charset="-122"/>
+                <a:ea typeface="STZhongsong" panose="02010600040101010101" pitchFamily="2" charset="-122"/>
+              </a:rPr>
+              <a:t>已有工作调研</a:t>
             </a:r>
             <a:endParaRPr kumimoji="1" lang="en-US" altLang="zh-CN" dirty="0">
-              <a:latin typeface="+mj-ea"/>
-              <a:ea typeface="+mj-ea"/>
+              <a:latin typeface="STZhongsong" panose="02010600040101010101" pitchFamily="2" charset="-122"/>
+              <a:ea typeface="STZhongsong" panose="02010600040101010101" pitchFamily="2" charset="-122"/>
             </a:endParaRPr>
           </a:p>
           <a:p>
@@ -8600,7 +10176,7 @@
                 <a:latin typeface="STZhongsong" panose="02010600040101010101" pitchFamily="2" charset="-122"/>
                 <a:ea typeface="STZhongsong" panose="02010600040101010101" pitchFamily="2" charset="-122"/>
               </a:rPr>
-              <a:t>整体设计框架</a:t>
+              <a:t>研究目标</a:t>
             </a:r>
             <a:endParaRPr kumimoji="1" lang="en-US" altLang="zh-TW" dirty="0">
               <a:latin typeface="STZhongsong" panose="02010600040101010101" pitchFamily="2" charset="-122"/>
@@ -8613,7 +10189,7 @@
                 <a:latin typeface="STZhongsong" panose="02010600040101010101" pitchFamily="2" charset="-122"/>
                 <a:ea typeface="STZhongsong" panose="02010600040101010101" pitchFamily="2" charset="-122"/>
               </a:rPr>
-              <a:t>四 困难与挑战</a:t>
+              <a:t>四 工作特色及其难点、拟采取的解决方法</a:t>
             </a:r>
             <a:endParaRPr kumimoji="1" lang="en-US" altLang="zh-TW" dirty="0">
               <a:latin typeface="STZhongsong" panose="02010600040101010101" pitchFamily="2" charset="-122"/>
@@ -8626,7 +10202,7 @@
                 <a:latin typeface="STZhongsong" panose="02010600040101010101" pitchFamily="2" charset="-122"/>
                 <a:ea typeface="STZhongsong" panose="02010600040101010101" pitchFamily="2" charset="-122"/>
               </a:rPr>
-              <a:t>五 计划安排</a:t>
+              <a:t>五 预期进度安排</a:t>
             </a:r>
             <a:endParaRPr kumimoji="1" lang="zh-CN" altLang="en-US" dirty="0">
               <a:latin typeface="STZhongsong" panose="02010600040101010101" pitchFamily="2" charset="-122"/>
@@ -8715,13 +10291,30 @@
           <a:lstStyle/>
           <a:p>
             <a:r>
+              <a:rPr kumimoji="1" lang="zh-TW" altLang="en-US" dirty="0">
+                <a:latin typeface="STZhongsong" panose="02010600040101010101" pitchFamily="2" charset="-122"/>
+                <a:ea typeface="STZhongsong" panose="02010600040101010101" pitchFamily="2" charset="-122"/>
+              </a:rPr>
+              <a:t>选题</a:t>
+            </a:r>
+            <a:r>
               <a:rPr kumimoji="1" lang="zh-CN" altLang="en-US" dirty="0">
-                <a:latin typeface="+mj-ea"/>
-                <a:ea typeface="+mj-ea"/>
-              </a:rPr>
-              <a:t>背景动机</a:t>
-            </a:r>
-            <a:endParaRPr kumimoji="1" lang="zh-CN" altLang="en-US" dirty="0"/>
+                <a:latin typeface="STZhongsong" panose="02010600040101010101" pitchFamily="2" charset="-122"/>
+                <a:ea typeface="STZhongsong" panose="02010600040101010101" pitchFamily="2" charset="-122"/>
+              </a:rPr>
+              <a:t>背景</a:t>
+            </a:r>
+            <a:r>
+              <a:rPr kumimoji="1" lang="zh-TW" altLang="en-US" dirty="0">
+                <a:latin typeface="STZhongsong" panose="02010600040101010101" pitchFamily="2" charset="-122"/>
+                <a:ea typeface="STZhongsong" panose="02010600040101010101" pitchFamily="2" charset="-122"/>
+              </a:rPr>
+              <a:t>及意义</a:t>
+            </a:r>
+            <a:endParaRPr kumimoji="1" lang="zh-CN" altLang="en-US" dirty="0">
+              <a:latin typeface="STZhongsong" panose="02010600040101010101" pitchFamily="2" charset="-122"/>
+              <a:ea typeface="STZhongsong" panose="02010600040101010101" pitchFamily="2" charset="-122"/>
+            </a:endParaRPr>
           </a:p>
         </p:txBody>
       </p:sp>
@@ -8829,19 +10422,6 @@
               </a:rPr>
               <a:t>影响</a:t>
             </a:r>
-            <a:endParaRPr kumimoji="1" lang="en-US" altLang="zh-CN" dirty="0">
-              <a:latin typeface="STZhongsong" panose="02010600040101010101" pitchFamily="2" charset="-122"/>
-              <a:ea typeface="STZhongsong" panose="02010600040101010101" pitchFamily="2" charset="-122"/>
-            </a:endParaRPr>
-          </a:p>
-          <a:p>
-            <a:r>
-              <a:rPr kumimoji="1" lang="zh-TW" altLang="en-US" dirty="0">
-                <a:latin typeface="STZhongsong" panose="02010600040101010101" pitchFamily="2" charset="-122"/>
-                <a:ea typeface="STZhongsong" panose="02010600040101010101" pitchFamily="2" charset="-122"/>
-              </a:rPr>
-              <a:t>调研结果：在线平台使学生更愿意、更高效地去完成学习任务。</a:t>
-            </a:r>
             <a:endParaRPr kumimoji="1" lang="en-US" altLang="zh-TW" dirty="0">
               <a:latin typeface="STZhongsong" panose="02010600040101010101" pitchFamily="2" charset="-122"/>
               <a:ea typeface="STZhongsong" panose="02010600040101010101" pitchFamily="2" charset="-122"/>
@@ -8871,11 +10451,25 @@
           <a:lstStyle/>
           <a:p>
             <a:r>
+              <a:rPr kumimoji="1" lang="zh-TW" altLang="en-US" dirty="0">
+                <a:latin typeface="STZhongsong" panose="02010600040101010101" pitchFamily="2" charset="-122"/>
+                <a:ea typeface="STZhongsong" panose="02010600040101010101" pitchFamily="2" charset="-122"/>
+              </a:rPr>
+              <a:t>选题</a:t>
+            </a:r>
+            <a:r>
               <a:rPr kumimoji="1" lang="zh-CN" altLang="en-US" dirty="0">
-                <a:latin typeface="+mj-ea"/>
-                <a:ea typeface="+mj-ea"/>
-              </a:rPr>
-              <a:t>背景动机</a:t>
+                <a:latin typeface="STZhongsong" panose="02010600040101010101" pitchFamily="2" charset="-122"/>
+                <a:ea typeface="STZhongsong" panose="02010600040101010101" pitchFamily="2" charset="-122"/>
+              </a:rPr>
+              <a:t>背景</a:t>
+            </a:r>
+            <a:r>
+              <a:rPr kumimoji="1" lang="zh-TW" altLang="en-US" dirty="0">
+                <a:latin typeface="STZhongsong" panose="02010600040101010101" pitchFamily="2" charset="-122"/>
+                <a:ea typeface="STZhongsong" panose="02010600040101010101" pitchFamily="2" charset="-122"/>
+              </a:rPr>
+              <a:t>及意义</a:t>
             </a:r>
             <a:endParaRPr kumimoji="1" lang="zh-CN" altLang="en-US" dirty="0"/>
           </a:p>
@@ -8933,11 +10527,11 @@
           <a:lstStyle/>
           <a:p>
             <a:r>
-              <a:rPr kumimoji="1" lang="zh-CN" altLang="en-US" dirty="0">
-                <a:latin typeface="+mj-ea"/>
-                <a:ea typeface="+mj-ea"/>
-              </a:rPr>
-              <a:t>目标</a:t>
+              <a:rPr kumimoji="1" lang="zh-TW" altLang="en-US" dirty="0">
+                <a:latin typeface="STZhongsong" panose="02010600040101010101" pitchFamily="2" charset="-122"/>
+                <a:ea typeface="STZhongsong" panose="02010600040101010101" pitchFamily="2" charset="-122"/>
+              </a:rPr>
+              <a:t>已有工作调研</a:t>
             </a:r>
             <a:endParaRPr kumimoji="1" lang="zh-CN" altLang="en-US" dirty="0"/>
           </a:p>
@@ -8975,10 +10569,10 @@
       </p:grpSpPr>
       <p:sp>
         <p:nvSpPr>
-          <p:cNvPr id="2" name="文字版面配置區 1">
+          <p:cNvPr id="2" name="内容占位符 1">
             <a:extLst>
               <a:ext uri="{FF2B5EF4-FFF2-40B4-BE49-F238E27FC236}">
-                <a16:creationId xmlns:a16="http://schemas.microsoft.com/office/drawing/2014/main" id="{6CF33645-459F-4417-BF8A-8C5A453AEE3D}"/>
+                <a16:creationId xmlns:a16="http://schemas.microsoft.com/office/drawing/2014/main" id="{97249299-B2E1-164B-9D28-7833904F88FD}"/>
               </a:ext>
             </a:extLst>
           </p:cNvPr>
@@ -8986,211 +10580,241 @@
             <a:spLocks noGrp="1"/>
           </p:cNvSpPr>
           <p:nvPr>
-            <p:ph type="body" idx="1"/>
+            <p:ph idx="1"/>
           </p:nvPr>
         </p:nvSpPr>
-        <p:spPr>
-          <a:xfrm>
-            <a:off x="887220" y="2926054"/>
-            <a:ext cx="5087075" cy="536005"/>
-          </a:xfrm>
-        </p:spPr>
+        <p:spPr/>
         <p:txBody>
-          <a:bodyPr/>
+          <a:bodyPr>
+            <a:normAutofit/>
+          </a:bodyPr>
           <a:lstStyle/>
           <a:p>
+            <a:r>
+              <a:rPr kumimoji="1" lang="zh-TW" altLang="en-US" dirty="0">
+                <a:solidFill>
+                  <a:schemeClr val="tx1"/>
+                </a:solidFill>
+                <a:latin typeface="STZhongsong" panose="02010600040101010101" pitchFamily="2" charset="-122"/>
+                <a:ea typeface="STZhongsong" panose="02010600040101010101" pitchFamily="2" charset="-122"/>
+              </a:rPr>
+              <a:t>线上平台会使学生更愿意、更高效地去完成学习任务</a:t>
+            </a:r>
+            <a:endParaRPr kumimoji="1" lang="en-US" altLang="zh-TW" dirty="0">
+              <a:solidFill>
+                <a:schemeClr val="tx1"/>
+              </a:solidFill>
+              <a:latin typeface="STZhongsong" panose="02010600040101010101" pitchFamily="2" charset="-122"/>
+              <a:ea typeface="STZhongsong" panose="02010600040101010101" pitchFamily="2" charset="-122"/>
+            </a:endParaRPr>
+          </a:p>
+          <a:p>
+            <a:pPr marL="0" indent="0">
+              <a:buNone/>
+            </a:pPr>
+            <a:endParaRPr kumimoji="1" lang="en-US" altLang="zh-TW" dirty="0">
+              <a:solidFill>
+                <a:schemeClr val="tx1"/>
+              </a:solidFill>
+              <a:latin typeface="STZhongsong" panose="02010600040101010101" pitchFamily="2" charset="-122"/>
+              <a:ea typeface="STZhongsong" panose="02010600040101010101" pitchFamily="2" charset="-122"/>
+            </a:endParaRPr>
+          </a:p>
+          <a:p>
+            <a:r>
+              <a:rPr kumimoji="1" lang="zh-TW" altLang="en-US" dirty="0">
+                <a:solidFill>
+                  <a:schemeClr val="tx1"/>
+                </a:solidFill>
+                <a:latin typeface="STZhongsong" panose="02010600040101010101" pitchFamily="2" charset="-122"/>
+                <a:ea typeface="STZhongsong" panose="02010600040101010101" pitchFamily="2" charset="-122"/>
+              </a:rPr>
+              <a:t>目前几乎没有一个在线平台是基于真实板子作为操作系统课的实验环境</a:t>
+            </a:r>
+            <a:endParaRPr kumimoji="1" lang="en-US" altLang="zh-TW" dirty="0">
+              <a:solidFill>
+                <a:schemeClr val="tx1"/>
+              </a:solidFill>
+              <a:latin typeface="STZhongsong" panose="02010600040101010101" pitchFamily="2" charset="-122"/>
+              <a:ea typeface="STZhongsong" panose="02010600040101010101" pitchFamily="2" charset="-122"/>
+            </a:endParaRPr>
+          </a:p>
+          <a:p>
+            <a:pPr marL="0" indent="0">
+              <a:buNone/>
+            </a:pPr>
+            <a:endParaRPr kumimoji="1" lang="en-US" altLang="zh-TW" dirty="0">
+              <a:solidFill>
+                <a:schemeClr val="tx1"/>
+              </a:solidFill>
+              <a:latin typeface="STZhongsong" panose="02010600040101010101" pitchFamily="2" charset="-122"/>
+              <a:ea typeface="STZhongsong" panose="02010600040101010101" pitchFamily="2" charset="-122"/>
+            </a:endParaRPr>
+          </a:p>
+          <a:p>
+            <a:r>
+              <a:rPr lang="zh-CN" altLang="en-US" b="1" i="0" dirty="0">
+                <a:solidFill>
+                  <a:schemeClr val="tx1"/>
+                </a:solidFill>
+                <a:effectLst/>
+                <a:latin typeface="STZhongsong" panose="02010600040101010101" pitchFamily="2" charset="-122"/>
+                <a:ea typeface="STZhongsong" panose="02010600040101010101" pitchFamily="2" charset="-122"/>
+              </a:rPr>
+              <a:t>哈尔滨工业大学</a:t>
+            </a:r>
+            <a:r>
+              <a:rPr lang="zh-TW" altLang="en-US" i="0" dirty="0">
+                <a:solidFill>
+                  <a:schemeClr val="tx1"/>
+                </a:solidFill>
+                <a:effectLst/>
+                <a:latin typeface="STZhongsong" panose="02010600040101010101" pitchFamily="2" charset="-122"/>
+                <a:ea typeface="STZhongsong" panose="02010600040101010101" pitchFamily="2" charset="-122"/>
+              </a:rPr>
+              <a:t>在</a:t>
+            </a:r>
+            <a:r>
+              <a:rPr kumimoji="1" lang="zh-TW" altLang="en-US" dirty="0">
+                <a:solidFill>
+                  <a:schemeClr val="tx1"/>
+                </a:solidFill>
+                <a:latin typeface="STZhongsong" panose="02010600040101010101" pitchFamily="2" charset="-122"/>
+                <a:ea typeface="STZhongsong" panose="02010600040101010101" pitchFamily="2" charset="-122"/>
+              </a:rPr>
+              <a:t>操作系统课上已有一个开源的线上平台</a:t>
+            </a:r>
+            <a:r>
+              <a:rPr kumimoji="1" lang="en-US" altLang="zh-TW" dirty="0">
+                <a:solidFill>
+                  <a:schemeClr val="tx1"/>
+                </a:solidFill>
+                <a:latin typeface="STZhongsong" panose="02010600040101010101" pitchFamily="2" charset="-122"/>
+                <a:ea typeface="STZhongsong" panose="02010600040101010101" pitchFamily="2" charset="-122"/>
+              </a:rPr>
+              <a:t>(Moodle)</a:t>
+            </a:r>
+            <a:r>
+              <a:rPr kumimoji="1" lang="zh-TW" altLang="en-US" dirty="0">
+                <a:solidFill>
+                  <a:schemeClr val="tx1"/>
+                </a:solidFill>
+                <a:latin typeface="STZhongsong" panose="02010600040101010101" pitchFamily="2" charset="-122"/>
+                <a:ea typeface="STZhongsong" panose="02010600040101010101" pitchFamily="2" charset="-122"/>
+              </a:rPr>
+              <a:t>，可以此作为基础来开发。</a:t>
+            </a:r>
+            <a:endParaRPr kumimoji="1" lang="en-US" altLang="zh-TW" dirty="0">
+              <a:solidFill>
+                <a:schemeClr val="tx1"/>
+              </a:solidFill>
+              <a:latin typeface="STZhongsong" panose="02010600040101010101" pitchFamily="2" charset="-122"/>
+              <a:ea typeface="STZhongsong" panose="02010600040101010101" pitchFamily="2" charset="-122"/>
+            </a:endParaRPr>
+          </a:p>
+          <a:p>
+            <a:endParaRPr kumimoji="1" lang="en-US" altLang="zh-TW" dirty="0">
+              <a:solidFill>
+                <a:schemeClr val="tx1"/>
+              </a:solidFill>
+              <a:latin typeface="STZhongsong" panose="02010600040101010101" pitchFamily="2" charset="-122"/>
+              <a:ea typeface="STZhongsong" panose="02010600040101010101" pitchFamily="2" charset="-122"/>
+            </a:endParaRPr>
+          </a:p>
+          <a:p>
+            <a:r>
+              <a:rPr kumimoji="1" lang="en-US" altLang="zh-TW" dirty="0">
+                <a:solidFill>
+                  <a:schemeClr val="tx1"/>
+                </a:solidFill>
+                <a:latin typeface="STZhongsong" panose="02010600040101010101" pitchFamily="2" charset="-122"/>
+                <a:ea typeface="STZhongsong" panose="02010600040101010101" pitchFamily="2" charset="-122"/>
+              </a:rPr>
+              <a:t>Moodle</a:t>
+            </a:r>
+            <a:r>
+              <a:rPr kumimoji="1" lang="zh-TW" altLang="en-US" dirty="0">
+                <a:solidFill>
+                  <a:schemeClr val="tx1"/>
+                </a:solidFill>
+                <a:latin typeface="STZhongsong" panose="02010600040101010101" pitchFamily="2" charset="-122"/>
+                <a:ea typeface="STZhongsong" panose="02010600040101010101" pitchFamily="2" charset="-122"/>
+              </a:rPr>
+              <a:t>平台，十分适合此次的工作</a:t>
+            </a:r>
+            <a:r>
+              <a:rPr kumimoji="1" lang="en-US" altLang="zh-TW" dirty="0">
+                <a:solidFill>
+                  <a:schemeClr val="tx1"/>
+                </a:solidFill>
+                <a:latin typeface="STZhongsong" panose="02010600040101010101" pitchFamily="2" charset="-122"/>
+                <a:ea typeface="STZhongsong" panose="02010600040101010101" pitchFamily="2" charset="-122"/>
+              </a:rPr>
+              <a:t>(</a:t>
+            </a:r>
             <a:r>
               <a:rPr lang="zh-TW" altLang="en-US" dirty="0">
                 <a:latin typeface="STZhongsong" panose="02010600040101010101" pitchFamily="2" charset="-122"/>
                 <a:ea typeface="STZhongsong" panose="02010600040101010101" pitchFamily="2" charset="-122"/>
               </a:rPr>
-              <a:t>线上平台基本功能</a:t>
-            </a:r>
-            <a:endParaRPr lang="zh-HK" altLang="en-US" dirty="0">
+              <a:t>免费、</a:t>
+            </a:r>
+            <a:r>
+              <a:rPr lang="zh-HK" altLang="en-US" dirty="0">
+                <a:latin typeface="STZhongsong" panose="02010600040101010101" pitchFamily="2" charset="-122"/>
+                <a:ea typeface="STZhongsong" panose="02010600040101010101" pitchFamily="2" charset="-122"/>
+              </a:rPr>
+              <a:t>开源</a:t>
+            </a:r>
+            <a:r>
+              <a:rPr lang="zh-TW" altLang="en-US" dirty="0">
+                <a:latin typeface="STZhongsong" panose="02010600040101010101" pitchFamily="2" charset="-122"/>
+                <a:ea typeface="STZhongsong" panose="02010600040101010101" pitchFamily="2" charset="-122"/>
+              </a:rPr>
+              <a:t>、安全、</a:t>
+            </a:r>
+            <a:r>
+              <a:rPr kumimoji="1" lang="zh-TW" altLang="en-US" dirty="0">
+                <a:solidFill>
+                  <a:schemeClr val="tx1"/>
+                </a:solidFill>
+                <a:latin typeface="STZhongsong" panose="02010600040101010101" pitchFamily="2" charset="-122"/>
+                <a:ea typeface="STZhongsong" panose="02010600040101010101" pitchFamily="2" charset="-122"/>
+              </a:rPr>
+              <a:t>插件丰富</a:t>
+            </a:r>
+            <a:r>
+              <a:rPr kumimoji="1" lang="en-US" altLang="zh-TW" dirty="0">
+                <a:solidFill>
+                  <a:schemeClr val="tx1"/>
+                </a:solidFill>
+                <a:latin typeface="STZhongsong" panose="02010600040101010101" pitchFamily="2" charset="-122"/>
+                <a:ea typeface="STZhongsong" panose="02010600040101010101" pitchFamily="2" charset="-122"/>
+              </a:rPr>
+              <a:t>)</a:t>
+            </a:r>
+            <a:endParaRPr lang="en-US" altLang="zh-HK" dirty="0">
               <a:latin typeface="STZhongsong" panose="02010600040101010101" pitchFamily="2" charset="-122"/>
               <a:ea typeface="STZhongsong" panose="02010600040101010101" pitchFamily="2" charset="-122"/>
             </a:endParaRPr>
           </a:p>
-        </p:txBody>
-      </p:sp>
-      <p:sp>
-        <p:nvSpPr>
-          <p:cNvPr id="3" name="內容版面配置區 2">
-            <a:extLst>
-              <a:ext uri="{FF2B5EF4-FFF2-40B4-BE49-F238E27FC236}">
-                <a16:creationId xmlns:a16="http://schemas.microsoft.com/office/drawing/2014/main" id="{52B3E7E6-46A9-471B-872F-BC8B635D6C66}"/>
-              </a:ext>
-            </a:extLst>
-          </p:cNvPr>
-          <p:cNvSpPr>
-            <a:spLocks noGrp="1"/>
-          </p:cNvSpPr>
-          <p:nvPr>
-            <p:ph sz="half" idx="2"/>
-          </p:nvPr>
-        </p:nvSpPr>
-        <p:spPr>
-          <a:xfrm>
-            <a:off x="581195" y="3601214"/>
-            <a:ext cx="5393100" cy="2934999"/>
-          </a:xfrm>
-        </p:spPr>
-        <p:txBody>
-          <a:bodyPr/>
-          <a:lstStyle/>
-          <a:p>
-            <a:r>
-              <a:rPr lang="zh-TW" altLang="en-US" dirty="0">
-                <a:latin typeface="STZhongsong" panose="02010600040101010101" pitchFamily="2" charset="-122"/>
-                <a:ea typeface="STZhongsong" panose="02010600040101010101" pitchFamily="2" charset="-122"/>
-              </a:rPr>
-              <a:t>具备登入界面、调试界面</a:t>
-            </a:r>
-            <a:endParaRPr lang="en-US" altLang="zh-TW" dirty="0">
+          <a:p>
+            <a:endParaRPr kumimoji="1" lang="en-US" altLang="zh-TW" dirty="0">
+              <a:solidFill>
+                <a:schemeClr val="tx1"/>
+              </a:solidFill>
               <a:latin typeface="STZhongsong" panose="02010600040101010101" pitchFamily="2" charset="-122"/>
               <a:ea typeface="STZhongsong" panose="02010600040101010101" pitchFamily="2" charset="-122"/>
             </a:endParaRPr>
           </a:p>
-          <a:p>
-            <a:r>
-              <a:rPr lang="zh-TW" altLang="en-US" dirty="0">
-                <a:latin typeface="STZhongsong" panose="02010600040101010101" pitchFamily="2" charset="-122"/>
-                <a:ea typeface="STZhongsong" panose="02010600040101010101" pitchFamily="2" charset="-122"/>
-              </a:rPr>
-              <a:t>在调试界面上能够与真实板子进行交互</a:t>
-            </a:r>
-            <a:endParaRPr lang="en-US" altLang="zh-TW" dirty="0">
-              <a:latin typeface="STZhongsong" panose="02010600040101010101" pitchFamily="2" charset="-122"/>
-              <a:ea typeface="STZhongsong" panose="02010600040101010101" pitchFamily="2" charset="-122"/>
-            </a:endParaRPr>
-          </a:p>
-          <a:p>
-            <a:r>
-              <a:rPr lang="zh-TW" altLang="en-US" dirty="0">
-                <a:latin typeface="STZhongsong" panose="02010600040101010101" pitchFamily="2" charset="-122"/>
-                <a:ea typeface="STZhongsong" panose="02010600040101010101" pitchFamily="2" charset="-122"/>
-              </a:rPr>
-              <a:t>能够加载文件、驱动程序、保存数据到本地</a:t>
-            </a:r>
-            <a:endParaRPr lang="zh-HK" altLang="en-US" dirty="0">
-              <a:latin typeface="STZhongsong" panose="02010600040101010101" pitchFamily="2" charset="-122"/>
-              <a:ea typeface="STZhongsong" panose="02010600040101010101" pitchFamily="2" charset="-122"/>
-            </a:endParaRPr>
-          </a:p>
         </p:txBody>
       </p:sp>
       <p:sp>
         <p:nvSpPr>
-          <p:cNvPr id="4" name="文字版面配置區 3">
+          <p:cNvPr id="3" name="标题 2">
             <a:extLst>
               <a:ext uri="{FF2B5EF4-FFF2-40B4-BE49-F238E27FC236}">
-                <a16:creationId xmlns:a16="http://schemas.microsoft.com/office/drawing/2014/main" id="{57B50672-3348-4AB1-AB9B-84E1597D6418}"/>
-              </a:ext>
-            </a:extLst>
-          </p:cNvPr>
-          <p:cNvSpPr>
-            <a:spLocks noGrp="1"/>
-          </p:cNvSpPr>
-          <p:nvPr>
-            <p:ph type="body" sz="quarter" idx="3"/>
-          </p:nvPr>
-        </p:nvSpPr>
-        <p:spPr>
-          <a:xfrm>
-            <a:off x="6523737" y="2926054"/>
-            <a:ext cx="5087073" cy="553373"/>
-          </a:xfrm>
-        </p:spPr>
-        <p:txBody>
-          <a:bodyPr/>
-          <a:lstStyle/>
-          <a:p>
-            <a:r>
-              <a:rPr lang="zh-TW" altLang="en-US" dirty="0">
-                <a:latin typeface="STZhongsong" panose="02010600040101010101" pitchFamily="2" charset="-122"/>
-                <a:ea typeface="STZhongsong" panose="02010600040101010101" pitchFamily="2" charset="-122"/>
-              </a:rPr>
-              <a:t>更细节需要实现的功能</a:t>
-            </a:r>
-            <a:endParaRPr lang="zh-HK" altLang="en-US" dirty="0">
-              <a:latin typeface="STZhongsong" panose="02010600040101010101" pitchFamily="2" charset="-122"/>
-              <a:ea typeface="STZhongsong" panose="02010600040101010101" pitchFamily="2" charset="-122"/>
-            </a:endParaRPr>
-          </a:p>
-        </p:txBody>
-      </p:sp>
-      <p:sp>
-        <p:nvSpPr>
-          <p:cNvPr id="5" name="內容版面配置區 4">
-            <a:extLst>
-              <a:ext uri="{FF2B5EF4-FFF2-40B4-BE49-F238E27FC236}">
-                <a16:creationId xmlns:a16="http://schemas.microsoft.com/office/drawing/2014/main" id="{FE8BC665-36C5-4E6C-8ADD-C911273DD38A}"/>
-              </a:ext>
-            </a:extLst>
-          </p:cNvPr>
-          <p:cNvSpPr>
-            <a:spLocks noGrp="1"/>
-          </p:cNvSpPr>
-          <p:nvPr>
-            <p:ph sz="quarter" idx="4"/>
-          </p:nvPr>
-        </p:nvSpPr>
-        <p:spPr>
-          <a:xfrm>
-            <a:off x="6217710" y="3601214"/>
-            <a:ext cx="5393100" cy="2934999"/>
-          </a:xfrm>
-        </p:spPr>
-        <p:txBody>
-          <a:bodyPr/>
-          <a:lstStyle/>
-          <a:p>
-            <a:r>
-              <a:rPr lang="zh-CN" altLang="en-US" dirty="0">
-                <a:latin typeface="STZhongsong" panose="02010600040101010101" pitchFamily="2" charset="-122"/>
-                <a:ea typeface="STZhongsong" panose="02010600040101010101" pitchFamily="2" charset="-122"/>
-              </a:rPr>
-              <a:t>实验资源管理</a:t>
-            </a:r>
-            <a:endParaRPr lang="en-US" altLang="zh-CN" dirty="0">
-              <a:latin typeface="STZhongsong" panose="02010600040101010101" pitchFamily="2" charset="-122"/>
-              <a:ea typeface="STZhongsong" panose="02010600040101010101" pitchFamily="2" charset="-122"/>
-            </a:endParaRPr>
-          </a:p>
-          <a:p>
-            <a:r>
-              <a:rPr lang="zh-CN" altLang="en-US" dirty="0">
-                <a:latin typeface="STZhongsong" panose="02010600040101010101" pitchFamily="2" charset="-122"/>
-                <a:ea typeface="STZhongsong" panose="02010600040101010101" pitchFamily="2" charset="-122"/>
-              </a:rPr>
-              <a:t>实验过程数据采集和分析</a:t>
-            </a:r>
-            <a:endParaRPr lang="en-US" altLang="zh-CN" dirty="0">
-              <a:latin typeface="STZhongsong" panose="02010600040101010101" pitchFamily="2" charset="-122"/>
-              <a:ea typeface="STZhongsong" panose="02010600040101010101" pitchFamily="2" charset="-122"/>
-            </a:endParaRPr>
-          </a:p>
-          <a:p>
-            <a:r>
-              <a:rPr lang="zh-CN" altLang="en-US" dirty="0">
-                <a:latin typeface="STZhongsong" panose="02010600040101010101" pitchFamily="2" charset="-122"/>
-                <a:ea typeface="STZhongsong" panose="02010600040101010101" pitchFamily="2" charset="-122"/>
-              </a:rPr>
-              <a:t>实验数据获取和展现</a:t>
-            </a:r>
-            <a:endParaRPr lang="zh-HK" altLang="en-US" dirty="0">
-              <a:latin typeface="STZhongsong" panose="02010600040101010101" pitchFamily="2" charset="-122"/>
-              <a:ea typeface="STZhongsong" panose="02010600040101010101" pitchFamily="2" charset="-122"/>
-            </a:endParaRPr>
-          </a:p>
-        </p:txBody>
-      </p:sp>
-      <p:sp>
-        <p:nvSpPr>
-          <p:cNvPr id="6" name="標題 5">
-            <a:extLst>
-              <a:ext uri="{FF2B5EF4-FFF2-40B4-BE49-F238E27FC236}">
-                <a16:creationId xmlns:a16="http://schemas.microsoft.com/office/drawing/2014/main" id="{F370030B-C33D-472F-AD5B-A87BD67CAA19}"/>
+                <a16:creationId xmlns:a16="http://schemas.microsoft.com/office/drawing/2014/main" id="{E4CCBE66-029B-1A42-8B93-5DED4C28F3FB}"/>
               </a:ext>
             </a:extLst>
           </p:cNvPr>
@@ -9203,67 +10827,24 @@
         </p:nvSpPr>
         <p:spPr/>
         <p:txBody>
-          <a:bodyPr>
-            <a:normAutofit/>
-          </a:bodyPr>
+          <a:bodyPr/>
           <a:lstStyle/>
           <a:p>
             <a:r>
-              <a:rPr kumimoji="1" lang="zh-CN" altLang="en-US" dirty="0">
-                <a:latin typeface="+mj-ea"/>
-                <a:ea typeface="+mj-ea"/>
-              </a:rPr>
-              <a:t>目标</a:t>
-            </a:r>
-            <a:endParaRPr lang="zh-HK" altLang="en-US" dirty="0">
-              <a:latin typeface="STZhongsong" panose="02010600040101010101" pitchFamily="2" charset="-122"/>
-              <a:ea typeface="STZhongsong" panose="02010600040101010101" pitchFamily="2" charset="-122"/>
-            </a:endParaRPr>
-          </a:p>
-        </p:txBody>
-      </p:sp>
-      <p:sp>
-        <p:nvSpPr>
-          <p:cNvPr id="8" name="文字方塊 7">
-            <a:extLst>
-              <a:ext uri="{FF2B5EF4-FFF2-40B4-BE49-F238E27FC236}">
-                <a16:creationId xmlns:a16="http://schemas.microsoft.com/office/drawing/2014/main" id="{0CDA2B33-41E9-459F-93FA-0469CBDCE8DF}"/>
-              </a:ext>
-            </a:extLst>
-          </p:cNvPr>
-          <p:cNvSpPr txBox="1"/>
-          <p:nvPr/>
-        </p:nvSpPr>
-        <p:spPr>
-          <a:xfrm>
-            <a:off x="2326682" y="1819351"/>
-            <a:ext cx="7295226" cy="584775"/>
-          </a:xfrm>
-          <a:prstGeom prst="rect">
-            <a:avLst/>
-          </a:prstGeom>
-          <a:noFill/>
-        </p:spPr>
-        <p:txBody>
-          <a:bodyPr wrap="square">
-            <a:spAutoFit/>
-          </a:bodyPr>
-          <a:lstStyle/>
-          <a:p>
-            <a:r>
-              <a:rPr lang="zh-HK" altLang="en-US" sz="3200" dirty="0">
+              <a:rPr kumimoji="1" lang="zh-TW" altLang="en-US" dirty="0">
                 <a:latin typeface="STZhongsong" panose="02010600040101010101" pitchFamily="2" charset="-122"/>
                 <a:ea typeface="STZhongsong" panose="02010600040101010101" pitchFamily="2" charset="-122"/>
               </a:rPr>
-              <a:t>最终形成一个可演示和试用的原型系统</a:t>
-            </a:r>
+              <a:t>已有工作调研</a:t>
+            </a:r>
+            <a:endParaRPr kumimoji="1" lang="zh-CN" altLang="en-US" dirty="0"/>
           </a:p>
         </p:txBody>
       </p:sp>
     </p:spTree>
     <p:extLst>
       <p:ext uri="{BB962C8B-B14F-4D97-AF65-F5344CB8AC3E}">
-        <p14:creationId xmlns:p14="http://schemas.microsoft.com/office/powerpoint/2010/main" val="2969887750"/>
+        <p14:creationId xmlns:p14="http://schemas.microsoft.com/office/powerpoint/2010/main" val="4019613191"/>
       </p:ext>
     </p:extLst>
   </p:cSld>
@@ -9316,7 +10897,7 @@
                 <a:latin typeface="STZhongsong" panose="02010600040101010101" pitchFamily="2" charset="-122"/>
                 <a:ea typeface="STZhongsong" panose="02010600040101010101" pitchFamily="2" charset="-122"/>
               </a:rPr>
-              <a:t>整体设计框架设想</a:t>
+              <a:t>工作目标</a:t>
             </a:r>
             <a:endParaRPr kumimoji="1" lang="zh-CN" altLang="en-US" dirty="0"/>
           </a:p>
@@ -9354,6 +10935,218 @@
       </p:grpSpPr>
       <p:sp>
         <p:nvSpPr>
+          <p:cNvPr id="2" name="文字版面配置區 1">
+            <a:extLst>
+              <a:ext uri="{FF2B5EF4-FFF2-40B4-BE49-F238E27FC236}">
+                <a16:creationId xmlns:a16="http://schemas.microsoft.com/office/drawing/2014/main" id="{6CF33645-459F-4417-BF8A-8C5A453AEE3D}"/>
+              </a:ext>
+            </a:extLst>
+          </p:cNvPr>
+          <p:cNvSpPr>
+            <a:spLocks noGrp="1"/>
+          </p:cNvSpPr>
+          <p:nvPr>
+            <p:ph type="body" idx="1"/>
+          </p:nvPr>
+        </p:nvSpPr>
+        <p:spPr>
+          <a:xfrm>
+            <a:off x="887220" y="2926054"/>
+            <a:ext cx="5087075" cy="536005"/>
+          </a:xfrm>
+        </p:spPr>
+        <p:txBody>
+          <a:bodyPr/>
+          <a:lstStyle/>
+          <a:p>
+            <a:r>
+              <a:rPr lang="zh-TW" altLang="en-US" dirty="0">
+                <a:latin typeface="STZhongsong" panose="02010600040101010101" pitchFamily="2" charset="-122"/>
+                <a:ea typeface="STZhongsong" panose="02010600040101010101" pitchFamily="2" charset="-122"/>
+              </a:rPr>
+              <a:t>线上平台基本功能</a:t>
+            </a:r>
+            <a:endParaRPr lang="zh-HK" altLang="en-US" dirty="0">
+              <a:latin typeface="STZhongsong" panose="02010600040101010101" pitchFamily="2" charset="-122"/>
+              <a:ea typeface="STZhongsong" panose="02010600040101010101" pitchFamily="2" charset="-122"/>
+            </a:endParaRPr>
+          </a:p>
+        </p:txBody>
+      </p:sp>
+      <p:sp>
+        <p:nvSpPr>
+          <p:cNvPr id="3" name="內容版面配置區 2">
+            <a:extLst>
+              <a:ext uri="{FF2B5EF4-FFF2-40B4-BE49-F238E27FC236}">
+                <a16:creationId xmlns:a16="http://schemas.microsoft.com/office/drawing/2014/main" id="{52B3E7E6-46A9-471B-872F-BC8B635D6C66}"/>
+              </a:ext>
+            </a:extLst>
+          </p:cNvPr>
+          <p:cNvSpPr>
+            <a:spLocks noGrp="1"/>
+          </p:cNvSpPr>
+          <p:nvPr>
+            <p:ph sz="half" idx="2"/>
+          </p:nvPr>
+        </p:nvSpPr>
+        <p:spPr>
+          <a:xfrm>
+            <a:off x="581195" y="3601214"/>
+            <a:ext cx="5393100" cy="2934999"/>
+          </a:xfrm>
+        </p:spPr>
+        <p:txBody>
+          <a:bodyPr/>
+          <a:lstStyle/>
+          <a:p>
+            <a:r>
+              <a:rPr lang="zh-TW" altLang="en-US" dirty="0">
+                <a:latin typeface="STZhongsong" panose="02010600040101010101" pitchFamily="2" charset="-122"/>
+                <a:ea typeface="STZhongsong" panose="02010600040101010101" pitchFamily="2" charset="-122"/>
+              </a:rPr>
+              <a:t>具备登入界面、调试界面</a:t>
+            </a:r>
+            <a:endParaRPr lang="en-US" altLang="zh-TW" dirty="0">
+              <a:latin typeface="STZhongsong" panose="02010600040101010101" pitchFamily="2" charset="-122"/>
+              <a:ea typeface="STZhongsong" panose="02010600040101010101" pitchFamily="2" charset="-122"/>
+            </a:endParaRPr>
+          </a:p>
+          <a:p>
+            <a:r>
+              <a:rPr lang="zh-TW" altLang="en-US" dirty="0">
+                <a:latin typeface="STZhongsong" panose="02010600040101010101" pitchFamily="2" charset="-122"/>
+                <a:ea typeface="STZhongsong" panose="02010600040101010101" pitchFamily="2" charset="-122"/>
+              </a:rPr>
+              <a:t>在调试界面上能够与真实板子进行交互</a:t>
+            </a:r>
+            <a:endParaRPr lang="en-US" altLang="zh-TW" dirty="0">
+              <a:latin typeface="STZhongsong" panose="02010600040101010101" pitchFamily="2" charset="-122"/>
+              <a:ea typeface="STZhongsong" panose="02010600040101010101" pitchFamily="2" charset="-122"/>
+            </a:endParaRPr>
+          </a:p>
+          <a:p>
+            <a:r>
+              <a:rPr lang="zh-TW" altLang="en-US" dirty="0">
+                <a:latin typeface="STZhongsong" panose="02010600040101010101" pitchFamily="2" charset="-122"/>
+                <a:ea typeface="STZhongsong" panose="02010600040101010101" pitchFamily="2" charset="-122"/>
+              </a:rPr>
+              <a:t>能够加载文件、驱动程序到板子上，保存数据到本地</a:t>
+            </a:r>
+            <a:endParaRPr lang="zh-HK" altLang="en-US" dirty="0">
+              <a:latin typeface="STZhongsong" panose="02010600040101010101" pitchFamily="2" charset="-122"/>
+              <a:ea typeface="STZhongsong" panose="02010600040101010101" pitchFamily="2" charset="-122"/>
+            </a:endParaRPr>
+          </a:p>
+        </p:txBody>
+      </p:sp>
+      <p:sp>
+        <p:nvSpPr>
+          <p:cNvPr id="4" name="文字版面配置區 3">
+            <a:extLst>
+              <a:ext uri="{FF2B5EF4-FFF2-40B4-BE49-F238E27FC236}">
+                <a16:creationId xmlns:a16="http://schemas.microsoft.com/office/drawing/2014/main" id="{57B50672-3348-4AB1-AB9B-84E1597D6418}"/>
+              </a:ext>
+            </a:extLst>
+          </p:cNvPr>
+          <p:cNvSpPr>
+            <a:spLocks noGrp="1"/>
+          </p:cNvSpPr>
+          <p:nvPr>
+            <p:ph type="body" sz="quarter" idx="3"/>
+          </p:nvPr>
+        </p:nvSpPr>
+        <p:spPr>
+          <a:xfrm>
+            <a:off x="6523737" y="2926054"/>
+            <a:ext cx="5087073" cy="553373"/>
+          </a:xfrm>
+        </p:spPr>
+        <p:txBody>
+          <a:bodyPr/>
+          <a:lstStyle/>
+          <a:p>
+            <a:r>
+              <a:rPr lang="zh-TW" altLang="en-US" dirty="0">
+                <a:latin typeface="STZhongsong" panose="02010600040101010101" pitchFamily="2" charset="-122"/>
+                <a:ea typeface="STZhongsong" panose="02010600040101010101" pitchFamily="2" charset="-122"/>
+              </a:rPr>
+              <a:t>更细节需要实现的功能</a:t>
+            </a:r>
+            <a:endParaRPr lang="zh-HK" altLang="en-US" dirty="0">
+              <a:latin typeface="STZhongsong" panose="02010600040101010101" pitchFamily="2" charset="-122"/>
+              <a:ea typeface="STZhongsong" panose="02010600040101010101" pitchFamily="2" charset="-122"/>
+            </a:endParaRPr>
+          </a:p>
+        </p:txBody>
+      </p:sp>
+      <p:sp>
+        <p:nvSpPr>
+          <p:cNvPr id="5" name="內容版面配置區 4">
+            <a:extLst>
+              <a:ext uri="{FF2B5EF4-FFF2-40B4-BE49-F238E27FC236}">
+                <a16:creationId xmlns:a16="http://schemas.microsoft.com/office/drawing/2014/main" id="{FE8BC665-36C5-4E6C-8ADD-C911273DD38A}"/>
+              </a:ext>
+            </a:extLst>
+          </p:cNvPr>
+          <p:cNvSpPr>
+            <a:spLocks noGrp="1"/>
+          </p:cNvSpPr>
+          <p:nvPr>
+            <p:ph sz="quarter" idx="4"/>
+          </p:nvPr>
+        </p:nvSpPr>
+        <p:spPr>
+          <a:xfrm>
+            <a:off x="6217710" y="3601214"/>
+            <a:ext cx="5393100" cy="2934999"/>
+          </a:xfrm>
+        </p:spPr>
+        <p:txBody>
+          <a:bodyPr/>
+          <a:lstStyle/>
+          <a:p>
+            <a:r>
+              <a:rPr lang="zh-CN" altLang="en-US" dirty="0">
+                <a:latin typeface="STZhongsong" panose="02010600040101010101" pitchFamily="2" charset="-122"/>
+                <a:ea typeface="STZhongsong" panose="02010600040101010101" pitchFamily="2" charset="-122"/>
+              </a:rPr>
+              <a:t>实验资源管理</a:t>
+            </a:r>
+            <a:endParaRPr lang="en-US" altLang="zh-CN" dirty="0">
+              <a:latin typeface="STZhongsong" panose="02010600040101010101" pitchFamily="2" charset="-122"/>
+              <a:ea typeface="STZhongsong" panose="02010600040101010101" pitchFamily="2" charset="-122"/>
+            </a:endParaRPr>
+          </a:p>
+          <a:p>
+            <a:r>
+              <a:rPr lang="zh-CN" altLang="en-US" dirty="0">
+                <a:latin typeface="STZhongsong" panose="02010600040101010101" pitchFamily="2" charset="-122"/>
+                <a:ea typeface="STZhongsong" panose="02010600040101010101" pitchFamily="2" charset="-122"/>
+              </a:rPr>
+              <a:t>实验过程数据采集和分析</a:t>
+            </a:r>
+            <a:endParaRPr lang="en-US" altLang="zh-CN" dirty="0">
+              <a:latin typeface="STZhongsong" panose="02010600040101010101" pitchFamily="2" charset="-122"/>
+              <a:ea typeface="STZhongsong" panose="02010600040101010101" pitchFamily="2" charset="-122"/>
+            </a:endParaRPr>
+          </a:p>
+          <a:p>
+            <a:r>
+              <a:rPr lang="zh-CN" altLang="en-US" dirty="0">
+                <a:latin typeface="STZhongsong" panose="02010600040101010101" pitchFamily="2" charset="-122"/>
+                <a:ea typeface="STZhongsong" panose="02010600040101010101" pitchFamily="2" charset="-122"/>
+              </a:rPr>
+              <a:t>实验数据获取和展现</a:t>
+            </a:r>
+            <a:endParaRPr lang="zh-HK" altLang="en-US" dirty="0">
+              <a:latin typeface="STZhongsong" panose="02010600040101010101" pitchFamily="2" charset="-122"/>
+              <a:ea typeface="STZhongsong" panose="02010600040101010101" pitchFamily="2" charset="-122"/>
+            </a:endParaRPr>
+          </a:p>
+        </p:txBody>
+      </p:sp>
+      <p:sp>
+        <p:nvSpPr>
           <p:cNvPr id="6" name="標題 5">
             <a:extLst>
               <a:ext uri="{FF2B5EF4-FFF2-40B4-BE49-F238E27FC236}">
@@ -9371,29 +11164,129 @@
         <p:spPr/>
         <p:txBody>
           <a:bodyPr>
-            <a:normAutofit fontScale="90000"/>
+            <a:normAutofit/>
           </a:bodyPr>
           <a:lstStyle/>
           <a:p>
-            <a:br>
-              <a:rPr kumimoji="1" lang="en-US" altLang="zh-TW" dirty="0">
-                <a:latin typeface="STZhongsong" panose="02010600040101010101" pitchFamily="2" charset="-122"/>
-                <a:ea typeface="STZhongsong" panose="02010600040101010101" pitchFamily="2" charset="-122"/>
-              </a:rPr>
-            </a:br>
             <a:r>
               <a:rPr kumimoji="1" lang="zh-TW" altLang="en-US" dirty="0">
                 <a:latin typeface="STZhongsong" panose="02010600040101010101" pitchFamily="2" charset="-122"/>
                 <a:ea typeface="STZhongsong" panose="02010600040101010101" pitchFamily="2" charset="-122"/>
               </a:rPr>
-              <a:t>整体设计框架设想</a:t>
-            </a:r>
-            <a:br>
-              <a:rPr kumimoji="1" lang="en-US" altLang="zh-TW" dirty="0">
+              <a:t>工作目标</a:t>
+            </a:r>
+            <a:endParaRPr lang="zh-HK" altLang="en-US" dirty="0">
+              <a:latin typeface="STZhongsong" panose="02010600040101010101" pitchFamily="2" charset="-122"/>
+              <a:ea typeface="STZhongsong" panose="02010600040101010101" pitchFamily="2" charset="-122"/>
+            </a:endParaRPr>
+          </a:p>
+        </p:txBody>
+      </p:sp>
+      <p:sp>
+        <p:nvSpPr>
+          <p:cNvPr id="8" name="文字方塊 7">
+            <a:extLst>
+              <a:ext uri="{FF2B5EF4-FFF2-40B4-BE49-F238E27FC236}">
+                <a16:creationId xmlns:a16="http://schemas.microsoft.com/office/drawing/2014/main" id="{0CDA2B33-41E9-459F-93FA-0469CBDCE8DF}"/>
+              </a:ext>
+            </a:extLst>
+          </p:cNvPr>
+          <p:cNvSpPr txBox="1"/>
+          <p:nvPr/>
+        </p:nvSpPr>
+        <p:spPr>
+          <a:xfrm>
+            <a:off x="581195" y="1879352"/>
+            <a:ext cx="11403659" cy="400110"/>
+          </a:xfrm>
+          <a:prstGeom prst="rect">
+            <a:avLst/>
+          </a:prstGeom>
+          <a:noFill/>
+        </p:spPr>
+        <p:txBody>
+          <a:bodyPr wrap="square">
+            <a:spAutoFit/>
+          </a:bodyPr>
+          <a:lstStyle/>
+          <a:p>
+            <a:r>
+              <a:rPr lang="zh-TW" altLang="en-US" sz="2000" dirty="0">
                 <a:latin typeface="STZhongsong" panose="02010600040101010101" pitchFamily="2" charset="-122"/>
                 <a:ea typeface="STZhongsong" panose="02010600040101010101" pitchFamily="2" charset="-122"/>
               </a:rPr>
-            </a:br>
+              <a:t>在已有工作的基础下，在线上平台上加入与板子的交互，</a:t>
+            </a:r>
+            <a:r>
+              <a:rPr lang="zh-HK" altLang="en-US" sz="2000" dirty="0">
+                <a:latin typeface="STZhongsong" panose="02010600040101010101" pitchFamily="2" charset="-122"/>
+                <a:ea typeface="STZhongsong" panose="02010600040101010101" pitchFamily="2" charset="-122"/>
+              </a:rPr>
+              <a:t>最终形成一个可演示和试用的原型系统</a:t>
+            </a:r>
+          </a:p>
+        </p:txBody>
+      </p:sp>
+    </p:spTree>
+    <p:extLst>
+      <p:ext uri="{BB962C8B-B14F-4D97-AF65-F5344CB8AC3E}">
+        <p14:creationId xmlns:p14="http://schemas.microsoft.com/office/powerpoint/2010/main" val="2969887750"/>
+      </p:ext>
+    </p:extLst>
+  </p:cSld>
+  <p:clrMapOvr>
+    <a:masterClrMapping/>
+  </p:clrMapOvr>
+</p:sld>
+</file>
+
+<file path=ppt/slides/slide9.xml><?xml version="1.0" encoding="utf-8"?>
+<p:sld xmlns:a="http://schemas.openxmlformats.org/drawingml/2006/main" xmlns:r="http://schemas.openxmlformats.org/officeDocument/2006/relationships" xmlns:p="http://schemas.openxmlformats.org/presentationml/2006/main">
+  <p:cSld>
+    <p:spTree>
+      <p:nvGrpSpPr>
+        <p:cNvPr id="1" name=""/>
+        <p:cNvGrpSpPr/>
+        <p:nvPr/>
+      </p:nvGrpSpPr>
+      <p:grpSpPr>
+        <a:xfrm>
+          <a:off x="0" y="0"/>
+          <a:ext cx="0" cy="0"/>
+          <a:chOff x="0" y="0"/>
+          <a:chExt cx="0" cy="0"/>
+        </a:xfrm>
+      </p:grpSpPr>
+      <p:sp>
+        <p:nvSpPr>
+          <p:cNvPr id="6" name="標題 5">
+            <a:extLst>
+              <a:ext uri="{FF2B5EF4-FFF2-40B4-BE49-F238E27FC236}">
+                <a16:creationId xmlns:a16="http://schemas.microsoft.com/office/drawing/2014/main" id="{F370030B-C33D-472F-AD5B-A87BD67CAA19}"/>
+              </a:ext>
+            </a:extLst>
+          </p:cNvPr>
+          <p:cNvSpPr>
+            <a:spLocks noGrp="1"/>
+          </p:cNvSpPr>
+          <p:nvPr>
+            <p:ph type="title"/>
+          </p:nvPr>
+        </p:nvSpPr>
+        <p:spPr/>
+        <p:txBody>
+          <a:bodyPr>
+            <a:normAutofit/>
+          </a:bodyPr>
+          <a:lstStyle/>
+          <a:p>
+            <a:r>
+              <a:rPr kumimoji="1" lang="zh-TW" altLang="en-US" dirty="0">
+                <a:latin typeface="STZhongsong" panose="02010600040101010101" pitchFamily="2" charset="-122"/>
+                <a:ea typeface="STZhongsong" panose="02010600040101010101" pitchFamily="2" charset="-122"/>
+              </a:rPr>
+              <a:t>工作目标</a:t>
+            </a:r>
             <a:endParaRPr lang="zh-HK" altLang="en-US" dirty="0"/>
           </a:p>
         </p:txBody>
@@ -9557,193 +11450,133 @@
           </a:p>
         </p:txBody>
       </p:sp>
+      <p:sp>
+        <p:nvSpPr>
+          <p:cNvPr id="7" name="標題 5">
+            <a:extLst>
+              <a:ext uri="{FF2B5EF4-FFF2-40B4-BE49-F238E27FC236}">
+                <a16:creationId xmlns:a16="http://schemas.microsoft.com/office/drawing/2014/main" id="{0AB282E6-8260-42AB-8F0B-AB32AE1B9F91}"/>
+              </a:ext>
+            </a:extLst>
+          </p:cNvPr>
+          <p:cNvSpPr txBox="1">
+            <a:spLocks/>
+          </p:cNvSpPr>
+          <p:nvPr/>
+        </p:nvSpPr>
+        <p:spPr>
+          <a:xfrm>
+            <a:off x="512336" y="1685429"/>
+            <a:ext cx="10521388" cy="1015200"/>
+          </a:xfrm>
+          <a:prstGeom prst="rect">
+            <a:avLst/>
+          </a:prstGeom>
+        </p:spPr>
+        <p:txBody>
+          <a:bodyPr vert="horz" lIns="91440" tIns="45720" rIns="91440" bIns="45720" rtlCol="0" anchor="ctr">
+            <a:normAutofit fontScale="90000" lnSpcReduction="20000"/>
+          </a:bodyPr>
+          <a:lstStyle>
+            <a:lvl1pPr algn="l" defTabSz="457189" rtl="0" eaLnBrk="1" latinLnBrk="0" hangingPunct="1">
+              <a:spcBef>
+                <a:spcPct val="0"/>
+              </a:spcBef>
+              <a:buNone/>
+              <a:defRPr sz="2800" b="0" kern="1200" cap="none" baseline="0">
+                <a:solidFill>
+                  <a:srgbClr val="5C307D"/>
+                </a:solidFill>
+                <a:latin typeface="+mj-lt"/>
+                <a:ea typeface="+mj-ea"/>
+                <a:cs typeface="+mj-cs"/>
+              </a:defRPr>
+            </a:lvl1pPr>
+            <a:lvl2pPr eaLnBrk="1" hangingPunct="1">
+              <a:defRPr>
+                <a:solidFill>
+                  <a:schemeClr val="tx2"/>
+                </a:solidFill>
+              </a:defRPr>
+            </a:lvl2pPr>
+            <a:lvl3pPr eaLnBrk="1" hangingPunct="1">
+              <a:defRPr>
+                <a:solidFill>
+                  <a:schemeClr val="tx2"/>
+                </a:solidFill>
+              </a:defRPr>
+            </a:lvl3pPr>
+            <a:lvl4pPr eaLnBrk="1" hangingPunct="1">
+              <a:defRPr>
+                <a:solidFill>
+                  <a:schemeClr val="tx2"/>
+                </a:solidFill>
+              </a:defRPr>
+            </a:lvl4pPr>
+            <a:lvl5pPr eaLnBrk="1" hangingPunct="1">
+              <a:defRPr>
+                <a:solidFill>
+                  <a:schemeClr val="tx2"/>
+                </a:solidFill>
+              </a:defRPr>
+            </a:lvl5pPr>
+            <a:lvl6pPr eaLnBrk="1" hangingPunct="1">
+              <a:defRPr>
+                <a:solidFill>
+                  <a:schemeClr val="tx2"/>
+                </a:solidFill>
+              </a:defRPr>
+            </a:lvl6pPr>
+            <a:lvl7pPr eaLnBrk="1" hangingPunct="1">
+              <a:defRPr>
+                <a:solidFill>
+                  <a:schemeClr val="tx2"/>
+                </a:solidFill>
+              </a:defRPr>
+            </a:lvl7pPr>
+            <a:lvl8pPr eaLnBrk="1" hangingPunct="1">
+              <a:defRPr>
+                <a:solidFill>
+                  <a:schemeClr val="tx2"/>
+                </a:solidFill>
+              </a:defRPr>
+            </a:lvl8pPr>
+            <a:lvl9pPr eaLnBrk="1" hangingPunct="1">
+              <a:defRPr>
+                <a:solidFill>
+                  <a:schemeClr val="tx2"/>
+                </a:solidFill>
+              </a:defRPr>
+            </a:lvl9pPr>
+          </a:lstStyle>
+          <a:p>
+            <a:br>
+              <a:rPr kumimoji="1" lang="en-US" altLang="zh-TW" dirty="0">
+                <a:latin typeface="STZhongsong" panose="02010600040101010101" pitchFamily="2" charset="-122"/>
+                <a:ea typeface="STZhongsong" panose="02010600040101010101" pitchFamily="2" charset="-122"/>
+              </a:rPr>
+            </a:br>
+            <a:r>
+              <a:rPr kumimoji="1" lang="zh-TW" altLang="en-US" dirty="0">
+                <a:latin typeface="STZhongsong" panose="02010600040101010101" pitchFamily="2" charset="-122"/>
+                <a:ea typeface="STZhongsong" panose="02010600040101010101" pitchFamily="2" charset="-122"/>
+              </a:rPr>
+              <a:t>整体设计框架设想</a:t>
+            </a:r>
+            <a:br>
+              <a:rPr kumimoji="1" lang="en-US" altLang="zh-TW" dirty="0">
+                <a:latin typeface="STZhongsong" panose="02010600040101010101" pitchFamily="2" charset="-122"/>
+                <a:ea typeface="STZhongsong" panose="02010600040101010101" pitchFamily="2" charset="-122"/>
+              </a:rPr>
+            </a:br>
+            <a:endParaRPr lang="zh-HK" altLang="en-US" dirty="0"/>
+          </a:p>
+        </p:txBody>
+      </p:sp>
     </p:spTree>
     <p:extLst>
       <p:ext uri="{BB962C8B-B14F-4D97-AF65-F5344CB8AC3E}">
         <p14:creationId xmlns:p14="http://schemas.microsoft.com/office/powerpoint/2010/main" val="2830426936"/>
-      </p:ext>
-    </p:extLst>
-  </p:cSld>
-  <p:clrMapOvr>
-    <a:masterClrMapping/>
-  </p:clrMapOvr>
-</p:sld>
-</file>
-
-<file path=ppt/slides/slide9.xml><?xml version="1.0" encoding="utf-8"?>
-<p:sld xmlns:a="http://schemas.openxmlformats.org/drawingml/2006/main" xmlns:r="http://schemas.openxmlformats.org/officeDocument/2006/relationships" xmlns:p="http://schemas.openxmlformats.org/presentationml/2006/main">
-  <p:cSld>
-    <p:spTree>
-      <p:nvGrpSpPr>
-        <p:cNvPr id="1" name=""/>
-        <p:cNvGrpSpPr/>
-        <p:nvPr/>
-      </p:nvGrpSpPr>
-      <p:grpSpPr>
-        <a:xfrm>
-          <a:off x="0" y="0"/>
-          <a:ext cx="0" cy="0"/>
-          <a:chOff x="0" y="0"/>
-          <a:chExt cx="0" cy="0"/>
-        </a:xfrm>
-      </p:grpSpPr>
-      <p:sp>
-        <p:nvSpPr>
-          <p:cNvPr id="3" name="內容版面配置區 2">
-            <a:extLst>
-              <a:ext uri="{FF2B5EF4-FFF2-40B4-BE49-F238E27FC236}">
-                <a16:creationId xmlns:a16="http://schemas.microsoft.com/office/drawing/2014/main" id="{FAE9B983-6BD9-49A0-89AB-2FEFA982F244}"/>
-              </a:ext>
-            </a:extLst>
-          </p:cNvPr>
-          <p:cNvSpPr>
-            <a:spLocks noGrp="1"/>
-          </p:cNvSpPr>
-          <p:nvPr>
-            <p:ph sz="half" idx="2"/>
-          </p:nvPr>
-        </p:nvSpPr>
-        <p:spPr>
-          <a:xfrm>
-            <a:off x="581195" y="1961500"/>
-            <a:ext cx="5393100" cy="2934999"/>
-          </a:xfrm>
-        </p:spPr>
-        <p:txBody>
-          <a:bodyPr/>
-          <a:lstStyle/>
-          <a:p>
-            <a:r>
-              <a:rPr lang="zh-TW" altLang="en-US" dirty="0">
-                <a:latin typeface="STZhongsong" panose="02010600040101010101" pitchFamily="2" charset="-122"/>
-                <a:ea typeface="STZhongsong" panose="02010600040101010101" pitchFamily="2" charset="-122"/>
-              </a:rPr>
-              <a:t>免费、</a:t>
-            </a:r>
-            <a:r>
-              <a:rPr lang="zh-HK" altLang="en-US" dirty="0">
-                <a:latin typeface="STZhongsong" panose="02010600040101010101" pitchFamily="2" charset="-122"/>
-                <a:ea typeface="STZhongsong" panose="02010600040101010101" pitchFamily="2" charset="-122"/>
-              </a:rPr>
-              <a:t>开源</a:t>
-            </a:r>
-            <a:endParaRPr lang="en-US" altLang="zh-HK" dirty="0">
-              <a:latin typeface="STZhongsong" panose="02010600040101010101" pitchFamily="2" charset="-122"/>
-              <a:ea typeface="STZhongsong" panose="02010600040101010101" pitchFamily="2" charset="-122"/>
-            </a:endParaRPr>
-          </a:p>
-          <a:p>
-            <a:r>
-              <a:rPr lang="zh-HK" altLang="en-US" dirty="0">
-                <a:latin typeface="STZhongsong" panose="02010600040101010101" pitchFamily="2" charset="-122"/>
-                <a:ea typeface="STZhongsong" panose="02010600040101010101" pitchFamily="2" charset="-122"/>
-              </a:rPr>
-              <a:t>使用限制低</a:t>
-            </a:r>
-            <a:endParaRPr lang="en-US" altLang="zh-HK" dirty="0">
-              <a:latin typeface="STZhongsong" panose="02010600040101010101" pitchFamily="2" charset="-122"/>
-              <a:ea typeface="STZhongsong" panose="02010600040101010101" pitchFamily="2" charset="-122"/>
-            </a:endParaRPr>
-          </a:p>
-          <a:p>
-            <a:r>
-              <a:rPr lang="zh-TW" altLang="en-US" dirty="0">
-                <a:latin typeface="STZhongsong" panose="02010600040101010101" pitchFamily="2" charset="-122"/>
-                <a:ea typeface="STZhongsong" panose="02010600040101010101" pitchFamily="2" charset="-122"/>
-              </a:rPr>
-              <a:t>安全</a:t>
-            </a:r>
-            <a:endParaRPr lang="en-US" altLang="zh-TW" dirty="0">
-              <a:latin typeface="STZhongsong" panose="02010600040101010101" pitchFamily="2" charset="-122"/>
-              <a:ea typeface="STZhongsong" panose="02010600040101010101" pitchFamily="2" charset="-122"/>
-            </a:endParaRPr>
-          </a:p>
-          <a:p>
-            <a:r>
-              <a:rPr lang="zh-TW" altLang="en-US" dirty="0">
-                <a:latin typeface="STZhongsong" panose="02010600040101010101" pitchFamily="2" charset="-122"/>
-                <a:ea typeface="STZhongsong" panose="02010600040101010101" pitchFamily="2" charset="-122"/>
-              </a:rPr>
-              <a:t>功能弹性化，可安装不同插件</a:t>
-            </a:r>
-            <a:endParaRPr lang="en-US" altLang="zh-TW" dirty="0">
-              <a:latin typeface="STZhongsong" panose="02010600040101010101" pitchFamily="2" charset="-122"/>
-              <a:ea typeface="STZhongsong" panose="02010600040101010101" pitchFamily="2" charset="-122"/>
-            </a:endParaRPr>
-          </a:p>
-          <a:p>
-            <a:r>
-              <a:rPr lang="zh-TW" altLang="en-US" dirty="0">
-                <a:latin typeface="STZhongsong" panose="02010600040101010101" pitchFamily="2" charset="-122"/>
-                <a:ea typeface="STZhongsong" panose="02010600040101010101" pitchFamily="2" charset="-122"/>
-              </a:rPr>
-              <a:t>非大型网页架构，适合课程使用</a:t>
-            </a:r>
-            <a:endParaRPr lang="en-US" altLang="zh-TW" dirty="0">
-              <a:latin typeface="STZhongsong" panose="02010600040101010101" pitchFamily="2" charset="-122"/>
-              <a:ea typeface="STZhongsong" panose="02010600040101010101" pitchFamily="2" charset="-122"/>
-            </a:endParaRPr>
-          </a:p>
-          <a:p>
-            <a:endParaRPr lang="en-US" altLang="zh-HK" dirty="0">
-              <a:latin typeface="STZhongsong" panose="02010600040101010101" pitchFamily="2" charset="-122"/>
-              <a:ea typeface="STZhongsong" panose="02010600040101010101" pitchFamily="2" charset="-122"/>
-            </a:endParaRPr>
-          </a:p>
-          <a:p>
-            <a:endParaRPr lang="zh-HK" altLang="en-US" dirty="0">
-              <a:latin typeface="STZhongsong" panose="02010600040101010101" pitchFamily="2" charset="-122"/>
-              <a:ea typeface="STZhongsong" panose="02010600040101010101" pitchFamily="2" charset="-122"/>
-            </a:endParaRPr>
-          </a:p>
-        </p:txBody>
-      </p:sp>
-      <p:sp>
-        <p:nvSpPr>
-          <p:cNvPr id="6" name="標題 5">
-            <a:extLst>
-              <a:ext uri="{FF2B5EF4-FFF2-40B4-BE49-F238E27FC236}">
-                <a16:creationId xmlns:a16="http://schemas.microsoft.com/office/drawing/2014/main" id="{B0658F25-6505-4684-9CAC-8861779135DF}"/>
-              </a:ext>
-            </a:extLst>
-          </p:cNvPr>
-          <p:cNvSpPr>
-            <a:spLocks noGrp="1"/>
-          </p:cNvSpPr>
-          <p:nvPr>
-            <p:ph type="title"/>
-          </p:nvPr>
-        </p:nvSpPr>
-        <p:spPr/>
-        <p:txBody>
-          <a:bodyPr/>
-          <a:lstStyle/>
-          <a:p>
-            <a:r>
-              <a:rPr lang="zh-TW" altLang="en-US" dirty="0">
-                <a:latin typeface="STZhongsong" panose="02010600040101010101" pitchFamily="2" charset="-122"/>
-                <a:ea typeface="STZhongsong" panose="02010600040101010101" pitchFamily="2" charset="-122"/>
-              </a:rPr>
-              <a:t>线上平台基础框架：</a:t>
-            </a:r>
-            <a:r>
-              <a:rPr lang="en-US" altLang="zh-HK" b="1" dirty="0">
-                <a:latin typeface="STZhongsong" panose="02010600040101010101" pitchFamily="2" charset="-122"/>
-                <a:ea typeface="STZhongsong" panose="02010600040101010101" pitchFamily="2" charset="-122"/>
-              </a:rPr>
-              <a:t>Moodle</a:t>
-            </a:r>
-            <a:endParaRPr lang="zh-HK" altLang="en-US" b="1" dirty="0">
-              <a:latin typeface="STZhongsong" panose="02010600040101010101" pitchFamily="2" charset="-122"/>
-              <a:ea typeface="STZhongsong" panose="02010600040101010101" pitchFamily="2" charset="-122"/>
-            </a:endParaRPr>
-          </a:p>
-        </p:txBody>
-      </p:sp>
-    </p:spTree>
-    <p:extLst>
-      <p:ext uri="{BB962C8B-B14F-4D97-AF65-F5344CB8AC3E}">
-        <p14:creationId xmlns:p14="http://schemas.microsoft.com/office/powerpoint/2010/main" val="1219881475"/>
       </p:ext>
     </p:extLst>
   </p:cSld>
